--- a/Présentation_Automatisation_Tests_LCL.pptx
+++ b/Présentation_Automatisation_Tests_LCL.pptx
@@ -4,11 +4,15 @@
   <p:sldMasterIdLst>
     <p:sldMasterId id="2147483648" r:id="rId1"/>
   </p:sldMasterIdLst>
+  <p:notesMasterIdLst>
+    <p:notesMasterId r:id="rId7"/>
+  </p:notesMasterIdLst>
   <p:sldIdLst>
-    <p:sldId id="256" r:id="rId7"/>
-    <p:sldId id="257" r:id="rId9"/>
-    <p:sldId id="258" r:id="rId10"/>
-    <p:sldId id="259" r:id="rId11"/>
+    <p:sldId id="256" r:id="rId2"/>
+    <p:sldId id="257" r:id="rId3"/>
+    <p:sldId id="258" r:id="rId4"/>
+    <p:sldId id="260" r:id="rId5"/>
+    <p:sldId id="259" r:id="rId6"/>
   </p:sldIdLst>
   <p:sldSz cx="9144000" cy="6858000" type="screen4x3"/>
   <p:notesSz cx="6858000" cy="9144000"/>
@@ -107,11 +111,27 @@
       </a:defRPr>
     </a:lvl9pPr>
   </p:defaultTextStyle>
+  <p:extLst>
+    <p:ext uri="{EFAFB233-063F-42B5-8137-9DF3F51BA10A}">
+      <p15:sldGuideLst xmlns:p15="http://schemas.microsoft.com/office/powerpoint/2012/main">
+        <p15:guide id="1" orient="horz" pos="2160">
+          <p15:clr>
+            <a:srgbClr val="A4A3A4"/>
+          </p15:clr>
+        </p15:guide>
+        <p15:guide id="2" pos="2880">
+          <p15:clr>
+            <a:srgbClr val="A4A3A4"/>
+          </p15:clr>
+        </p15:guide>
+      </p15:sldGuideLst>
+    </p:ext>
+  </p:extLst>
 </p:presentation>
 </file>
 
 <file path=ppt/notesMasters/notesMaster1.xml><?xml version="1.0" encoding="utf-8"?>
-<p:notesMaster xmlns:a="http://schemas.openxmlformats.org/drawingml/2006/main" xmlns:p="http://schemas.openxmlformats.org/presentationml/2006/main" xmlns:r="http://schemas.openxmlformats.org/officeDocument/2006/relationships">
+<p:notesMaster xmlns:a="http://schemas.openxmlformats.org/drawingml/2006/main" xmlns:r="http://schemas.openxmlformats.org/officeDocument/2006/relationships" xmlns:p="http://schemas.openxmlformats.org/presentationml/2006/main">
   <p:cSld>
     <p:bg>
       <p:bgRef idx="1001">
@@ -132,241 +152,16 @@
           <a:chExt cx="0" cy="0"/>
         </a:xfrm>
       </p:grpSpPr>
-      <p:sp>
-        <p:nvSpPr>
-          <p:cNvPr id="2" name="Header Placeholder 1"/>
-          <p:cNvSpPr>
-            <a:spLocks noGrp="1"/>
-          </p:cNvSpPr>
-          <p:nvPr>
-            <p:ph type="hdr" sz="quarter"/>
-          </p:nvPr>
-        </p:nvSpPr>
-        <p:spPr>
-          <a:xfrm>
-            <a:off x="0" y="0"/>
-            <a:ext cx="2971800" cy="457200"/>
-          </a:xfrm>
-          <a:prstGeom prst="rect">
-            <a:avLst/>
-          </a:prstGeom>
-        </p:spPr>
-        <p:txBody>
-          <a:bodyPr vert="horz" lIns="91440" tIns="45720" rIns="91440" bIns="45720" rtlCol="0"/>
-          <a:lstStyle>
-            <a:lvl1pPr algn="l">
-              <a:defRPr sz="1200"/>
-            </a:lvl1pPr>
-          </a:lstStyle>
-          <a:p>
-            <a:endParaRPr lang="en-US"/>
-          </a:p>
-        </p:txBody>
-      </p:sp>
-      <p:sp>
-        <p:nvSpPr>
-          <p:cNvPr id="3" name="Date Placeholder 2"/>
-          <p:cNvSpPr>
-            <a:spLocks noGrp="1"/>
-          </p:cNvSpPr>
-          <p:nvPr>
-            <p:ph type="dt" idx="1"/>
-          </p:nvPr>
-        </p:nvSpPr>
-        <p:spPr>
-          <a:xfrm>
-            <a:off x="3884613" y="0"/>
-            <a:ext cx="2971800" cy="457200"/>
-          </a:xfrm>
-          <a:prstGeom prst="rect">
-            <a:avLst/>
-          </a:prstGeom>
-        </p:spPr>
-        <p:txBody>
-          <a:bodyPr vert="horz" lIns="91440" tIns="45720" rIns="91440" bIns="45720" rtlCol="0"/>
-          <a:lstStyle>
-            <a:lvl1pPr algn="r">
-              <a:defRPr sz="1200"/>
-            </a:lvl1pPr>
-          </a:lstStyle>
-          <a:p>
-            <a:fld id="{0F89C1C7-3DCD-1040-A9CF-14679D8B5DDD}" type="datetimeFigureOut">
-              <a:rPr lang="en-US" smtClean="0"/>
-              <a:t>10/17/16</a:t>
-            </a:fld>
-            <a:endParaRPr lang="en-US"/>
-          </a:p>
-        </p:txBody>
-      </p:sp>
-      <p:sp>
-        <p:nvSpPr>
-          <p:cNvPr id="4" name="Slide Image Placeholder 3"/>
-          <p:cNvSpPr>
-            <a:spLocks noGrp="1" noRot="1" noChangeAspect="1"/>
-          </p:cNvSpPr>
-          <p:nvPr>
-            <p:ph type="sldImg" idx="2"/>
-          </p:nvPr>
-        </p:nvSpPr>
-        <p:spPr>
-          <a:xfrm>
-            <a:off x="1143000" y="685800"/>
-            <a:ext cx="4572000" cy="3429000"/>
-          </a:xfrm>
-          <a:prstGeom prst="rect">
-            <a:avLst/>
-          </a:prstGeom>
-          <a:noFill/>
-          <a:ln w="12700">
-            <a:solidFill>
-              <a:prstClr val="black"/>
-            </a:solidFill>
-          </a:ln>
-        </p:spPr>
-        <p:txBody>
-          <a:bodyPr vert="horz" lIns="91440" tIns="45720" rIns="91440" bIns="45720" rtlCol="0" anchor="ctr"/>
-          <a:lstStyle/>
-          <a:p>
-            <a:endParaRPr lang="en-US"/>
-          </a:p>
-        </p:txBody>
-      </p:sp>
-      <p:sp>
-        <p:nvSpPr>
-          <p:cNvPr id="5" name="Notes Placeholder 4"/>
-          <p:cNvSpPr>
-            <a:spLocks noGrp="1"/>
-          </p:cNvSpPr>
-          <p:nvPr>
-            <p:ph type="body" sz="quarter" idx="3"/>
-          </p:nvPr>
-        </p:nvSpPr>
-        <p:spPr>
-          <a:xfrm>
-            <a:off x="685800" y="4343400"/>
-            <a:ext cx="5486400" cy="4114800"/>
-          </a:xfrm>
-          <a:prstGeom prst="rect">
-            <a:avLst/>
-          </a:prstGeom>
-        </p:spPr>
-        <p:txBody>
-          <a:bodyPr vert="horz" lIns="91440" tIns="45720" rIns="91440" bIns="45720" rtlCol="0"/>
-          <a:lstStyle/>
-          <a:p>
-            <a:pPr lvl="0"/>
-            <a:r>
-              <a:rPr lang="en-US" smtClean="0"/>
-              <a:t>Click to edit Master text styles</a:t>
-            </a:r>
-          </a:p>
-          <a:p>
-            <a:pPr lvl="1"/>
-            <a:r>
-              <a:rPr lang="en-US" smtClean="0"/>
-              <a:t>Second level</a:t>
-            </a:r>
-          </a:p>
-          <a:p>
-            <a:pPr lvl="2"/>
-            <a:r>
-              <a:rPr lang="en-US" smtClean="0"/>
-              <a:t>Third level</a:t>
-            </a:r>
-          </a:p>
-          <a:p>
-            <a:pPr lvl="3"/>
-            <a:r>
-              <a:rPr lang="en-US" smtClean="0"/>
-              <a:t>Fourth level</a:t>
-            </a:r>
-          </a:p>
-          <a:p>
-            <a:pPr lvl="4"/>
-            <a:r>
-              <a:rPr lang="en-US" smtClean="0"/>
-              <a:t>Fifth level</a:t>
-            </a:r>
-            <a:endParaRPr lang="en-US"/>
-          </a:p>
-        </p:txBody>
-      </p:sp>
-      <p:sp>
-        <p:nvSpPr>
-          <p:cNvPr id="6" name="Footer Placeholder 5"/>
-          <p:cNvSpPr>
-            <a:spLocks noGrp="1"/>
-          </p:cNvSpPr>
-          <p:nvPr>
-            <p:ph type="ftr" sz="quarter" idx="4"/>
-          </p:nvPr>
-        </p:nvSpPr>
-        <p:spPr>
-          <a:xfrm>
-            <a:off x="0" y="8685213"/>
-            <a:ext cx="2971800" cy="457200"/>
-          </a:xfrm>
-          <a:prstGeom prst="rect">
-            <a:avLst/>
-          </a:prstGeom>
-        </p:spPr>
-        <p:txBody>
-          <a:bodyPr vert="horz" lIns="91440" tIns="45720" rIns="91440" bIns="45720" rtlCol="0" anchor="b"/>
-          <a:lstStyle>
-            <a:lvl1pPr algn="l">
-              <a:defRPr sz="1200"/>
-            </a:lvl1pPr>
-          </a:lstStyle>
-          <a:p>
-            <a:endParaRPr lang="en-US"/>
-          </a:p>
-        </p:txBody>
-      </p:sp>
-      <p:sp>
-        <p:nvSpPr>
-          <p:cNvPr id="7" name="Slide Number Placeholder 6"/>
-          <p:cNvSpPr>
-            <a:spLocks noGrp="1"/>
-          </p:cNvSpPr>
-          <p:nvPr>
-            <p:ph type="sldNum" sz="quarter" idx="5"/>
-          </p:nvPr>
-        </p:nvSpPr>
-        <p:spPr>
-          <a:xfrm>
-            <a:off x="3884613" y="8685213"/>
-            <a:ext cx="2971800" cy="457200"/>
-          </a:xfrm>
-          <a:prstGeom prst="rect">
-            <a:avLst/>
-          </a:prstGeom>
-        </p:spPr>
-        <p:txBody>
-          <a:bodyPr vert="horz" lIns="91440" tIns="45720" rIns="91440" bIns="45720" rtlCol="0" anchor="b"/>
-          <a:lstStyle>
-            <a:lvl1pPr algn="r">
-              <a:defRPr sz="1200"/>
-            </a:lvl1pPr>
-          </a:lstStyle>
-          <a:p>
-            <a:fld id="{BB5E49A5-4136-284D-997B-48E1D791AD67}" type="slidenum">
-              <a:rPr lang="en-US" smtClean="0"/>
-              <a:t>‹#›</a:t>
-            </a:fld>
-            <a:endParaRPr lang="en-US"/>
-          </a:p>
-        </p:txBody>
-      </p:sp>
     </p:spTree>
     <p:extLst>
       <p:ext uri="{BB962C8B-B14F-4D97-AF65-F5344CB8AC3E}">
-        <p14:creationId xmlns:p14="http://schemas.microsoft.com/office/powerpoint/2010/main" val="2623252185"/>
+        <p14:creationId xmlns:p14="http://schemas.microsoft.com/office/powerpoint/2010/main" val="3789020876"/>
       </p:ext>
     </p:extLst>
   </p:cSld>
   <p:clrMap bg1="lt1" tx1="dk1" bg2="lt2" tx2="dk2" accent1="accent1" accent2="accent2" accent3="accent3" accent4="accent4" accent5="accent5" accent6="accent6" hlink="hlink" folHlink="folHlink"/>
   <p:notesStyle>
-    <a:lvl1pPr marL="0" algn="l" defTabSz="457200" rtl="0" eaLnBrk="1" latinLnBrk="0" hangingPunct="1">
+    <a:lvl1pPr marL="0" algn="l" defTabSz="914400" rtl="0" eaLnBrk="1" latinLnBrk="0" hangingPunct="1">
       <a:defRPr sz="1200" kern="1200">
         <a:solidFill>
           <a:schemeClr val="tx1"/>
@@ -376,7 +171,7 @@
         <a:cs typeface="+mn-cs"/>
       </a:defRPr>
     </a:lvl1pPr>
-    <a:lvl2pPr marL="457200" algn="l" defTabSz="457200" rtl="0" eaLnBrk="1" latinLnBrk="0" hangingPunct="1">
+    <a:lvl2pPr marL="457200" algn="l" defTabSz="914400" rtl="0" eaLnBrk="1" latinLnBrk="0" hangingPunct="1">
       <a:defRPr sz="1200" kern="1200">
         <a:solidFill>
           <a:schemeClr val="tx1"/>
@@ -386,7 +181,7 @@
         <a:cs typeface="+mn-cs"/>
       </a:defRPr>
     </a:lvl2pPr>
-    <a:lvl3pPr marL="914400" algn="l" defTabSz="457200" rtl="0" eaLnBrk="1" latinLnBrk="0" hangingPunct="1">
+    <a:lvl3pPr marL="914400" algn="l" defTabSz="914400" rtl="0" eaLnBrk="1" latinLnBrk="0" hangingPunct="1">
       <a:defRPr sz="1200" kern="1200">
         <a:solidFill>
           <a:schemeClr val="tx1"/>
@@ -396,7 +191,7 @@
         <a:cs typeface="+mn-cs"/>
       </a:defRPr>
     </a:lvl3pPr>
-    <a:lvl4pPr marL="1371600" algn="l" defTabSz="457200" rtl="0" eaLnBrk="1" latinLnBrk="0" hangingPunct="1">
+    <a:lvl4pPr marL="1371600" algn="l" defTabSz="914400" rtl="0" eaLnBrk="1" latinLnBrk="0" hangingPunct="1">
       <a:defRPr sz="1200" kern="1200">
         <a:solidFill>
           <a:schemeClr val="tx1"/>
@@ -406,7 +201,7 @@
         <a:cs typeface="+mn-cs"/>
       </a:defRPr>
     </a:lvl4pPr>
-    <a:lvl5pPr marL="1828800" algn="l" defTabSz="457200" rtl="0" eaLnBrk="1" latinLnBrk="0" hangingPunct="1">
+    <a:lvl5pPr marL="1828800" algn="l" defTabSz="914400" rtl="0" eaLnBrk="1" latinLnBrk="0" hangingPunct="1">
       <a:defRPr sz="1200" kern="1200">
         <a:solidFill>
           <a:schemeClr val="tx1"/>
@@ -416,7 +211,7 @@
         <a:cs typeface="+mn-cs"/>
       </a:defRPr>
     </a:lvl5pPr>
-    <a:lvl6pPr marL="2286000" algn="l" defTabSz="457200" rtl="0" eaLnBrk="1" latinLnBrk="0" hangingPunct="1">
+    <a:lvl6pPr marL="2286000" algn="l" defTabSz="914400" rtl="0" eaLnBrk="1" latinLnBrk="0" hangingPunct="1">
       <a:defRPr sz="1200" kern="1200">
         <a:solidFill>
           <a:schemeClr val="tx1"/>
@@ -426,7 +221,7 @@
         <a:cs typeface="+mn-cs"/>
       </a:defRPr>
     </a:lvl6pPr>
-    <a:lvl7pPr marL="2743200" algn="l" defTabSz="457200" rtl="0" eaLnBrk="1" latinLnBrk="0" hangingPunct="1">
+    <a:lvl7pPr marL="2743200" algn="l" defTabSz="914400" rtl="0" eaLnBrk="1" latinLnBrk="0" hangingPunct="1">
       <a:defRPr sz="1200" kern="1200">
         <a:solidFill>
           <a:schemeClr val="tx1"/>
@@ -436,7 +231,7 @@
         <a:cs typeface="+mn-cs"/>
       </a:defRPr>
     </a:lvl7pPr>
-    <a:lvl8pPr marL="3200400" algn="l" defTabSz="457200" rtl="0" eaLnBrk="1" latinLnBrk="0" hangingPunct="1">
+    <a:lvl8pPr marL="3200400" algn="l" defTabSz="914400" rtl="0" eaLnBrk="1" latinLnBrk="0" hangingPunct="1">
       <a:defRPr sz="1200" kern="1200">
         <a:solidFill>
           <a:schemeClr val="tx1"/>
@@ -446,7 +241,7 @@
         <a:cs typeface="+mn-cs"/>
       </a:defRPr>
     </a:lvl8pPr>
-    <a:lvl9pPr marL="3657600" algn="l" defTabSz="457200" rtl="0" eaLnBrk="1" latinLnBrk="0" hangingPunct="1">
+    <a:lvl9pPr marL="3657600" algn="l" defTabSz="914400" rtl="0" eaLnBrk="1" latinLnBrk="0" hangingPunct="1">
       <a:defRPr sz="1200" kern="1200">
         <a:solidFill>
           <a:schemeClr val="tx1"/>
@@ -461,7 +256,7 @@
 </file>
 
 <file path=ppt/notesSlides/notesSlide1.xml><?xml version="1.0" encoding="utf-8"?>
-<p:notes xmlns:a="http://schemas.openxmlformats.org/drawingml/2006/main" xmlns:p="http://schemas.openxmlformats.org/presentationml/2006/main" xmlns:r="http://schemas.openxmlformats.org/officeDocument/2006/relationships">
+<p:notes xmlns:a="http://schemas.openxmlformats.org/drawingml/2006/main" xmlns:r="http://schemas.openxmlformats.org/officeDocument/2006/relationships" xmlns:p="http://schemas.openxmlformats.org/presentationml/2006/main">
   <p:cSld>
     <p:spTree>
       <p:nvGrpSpPr>
@@ -481,7 +276,7 @@
         <p:nvSpPr>
           <p:cNvPr id="2" name="Slide Image Placeholder 1"/>
           <p:cNvSpPr>
-            <a:spLocks noGrp="1"/>
+            <a:spLocks noGrp="1" noRot="1" noChangeAspect="1"/>
           </p:cNvSpPr>
           <p:nvPr>
             <p:ph type="sldImg" idx="2"/>
@@ -496,7 +291,7 @@
             <a:spLocks noGrp="1"/>
           </p:cNvSpPr>
           <p:nvPr>
-            <p:ph type="body" idx="3" sz="quarter"/>
+            <p:ph type="body" sz="quarter" idx="3"/>
           </p:nvPr>
         </p:nvSpPr>
         <p:spPr/>
@@ -504,29 +299,127 @@
           <a:bodyPr/>
           <a:lstStyle/>
           <a:p>
-            <a:r>
-              <a:t>Je travaille comme automaticienne de test dans le domaine SNI.</a:t>
-            </a:r>
-          </a:p>
-          <a:p>
-            <a:r>
-              <a:t>Je réalise des immersions dans différentes squads pour structurer l’automatisation des tests API.</a:t>
-            </a:r>
-          </a:p>
-          <a:p>
-            <a:r>
-              <a:t>OSD : mise en place d’un modèle data-driven pour rendre les tests dynamiques.</a:t>
-            </a:r>
-          </a:p>
-          <a:p>
-            <a:r>
-              <a:t>PAY : microservices de paiement P2P critiques (MSEPI04, MSEPI05).</a:t>
-            </a:r>
-          </a:p>
-          <a:p>
-            <a:r>
-              <a:t>L’objectif : fiabiliser les échanges inter-systèmes et acculturer les équipes à l’automatisation.</a:t>
-            </a:r>
+            <a:endParaRPr lang="fr-FR" dirty="0"/>
+          </a:p>
+          <a:p>
+            <a:r>
+              <a:rPr lang="fr-FR" dirty="0"/>
+              <a:t>Pour replacer le contexte, je travaille comme automaticienne au sein de la direction SNI </a:t>
+            </a:r>
+          </a:p>
+          <a:p>
+            <a:r>
+              <a:rPr lang="fr-FR" dirty="0"/>
+              <a:t>Dans le cadre de la transfo, on réalise des immersions successives dans différentes </a:t>
+            </a:r>
+            <a:r>
+              <a:rPr lang="fr-FR" dirty="0" err="1"/>
+              <a:t>squads</a:t>
+            </a:r>
+            <a:r>
+              <a:rPr lang="fr-FR" dirty="0"/>
+              <a:t> pour les aider à structurer et à industrialiser l’automatisation de leurs tests API.</a:t>
+            </a:r>
+          </a:p>
+          <a:p>
+            <a:endParaRPr lang="fr-FR" dirty="0"/>
+          </a:p>
+          <a:p>
+            <a:r>
+              <a:rPr lang="fr-FR" dirty="0"/>
+              <a:t>Mon rôle, c’est d’amener une méthodologie d’automatisation qui soit à la fois technique, fiable, et accessible aux équipes. Pour qu’elles puissent s’approprier les bonnes pratiques et gagner en autonomie.</a:t>
+            </a:r>
+          </a:p>
+          <a:p>
+            <a:endParaRPr lang="fr-FR" dirty="0"/>
+          </a:p>
+          <a:p>
+            <a:r>
+              <a:rPr lang="fr-FR" dirty="0"/>
+              <a:t>La première immersion s’est faite dans la </a:t>
+            </a:r>
+            <a:r>
+              <a:rPr lang="fr-FR" dirty="0" err="1"/>
+              <a:t>squad</a:t>
+            </a:r>
+            <a:r>
+              <a:rPr lang="fr-FR" dirty="0"/>
+              <a:t> OFD (offre de finance durable ), avec un focus sur la mise en place d’un modèle data-</a:t>
+            </a:r>
+            <a:r>
+              <a:rPr lang="fr-FR" dirty="0" err="1"/>
+              <a:t>driven</a:t>
+            </a:r>
+            <a:r>
+              <a:rPr lang="fr-FR" dirty="0"/>
+              <a:t> : où l’idée était de rendre les tests dynamiques et alimentés à partir de fichiers de données.</a:t>
+            </a:r>
+          </a:p>
+          <a:p>
+            <a:endParaRPr lang="fr-FR" dirty="0"/>
+          </a:p>
+          <a:p>
+            <a:r>
+              <a:rPr lang="fr-FR" dirty="0"/>
+              <a:t>La deuxième immersion, actuellement dans la </a:t>
+            </a:r>
+            <a:r>
+              <a:rPr lang="fr-FR" dirty="0" err="1"/>
+              <a:t>squad</a:t>
+            </a:r>
+            <a:r>
+              <a:rPr lang="fr-FR" dirty="0"/>
+              <a:t> PAY (paiements p2p) , se concentre sur les </a:t>
+            </a:r>
+            <a:r>
+              <a:rPr lang="fr-FR" dirty="0" err="1"/>
+              <a:t>microservices</a:t>
+            </a:r>
+            <a:r>
+              <a:rPr lang="fr-FR" dirty="0"/>
+              <a:t> de paiement P2P – comme MSEPI04 ou MSEPI05 – qui sont des flux critiques dans le parcours client.</a:t>
+            </a:r>
+          </a:p>
+          <a:p>
+            <a:endParaRPr lang="fr-FR" dirty="0"/>
+          </a:p>
+          <a:p>
+            <a:r>
+              <a:rPr lang="fr-FR" dirty="0"/>
+              <a:t>Chaque appel API de paiement traverse plusieurs couches : le front mobile, le BFF, puis les </a:t>
+            </a:r>
+            <a:r>
+              <a:rPr lang="fr-FR" dirty="0" err="1"/>
+              <a:t>back-ends</a:t>
+            </a:r>
+            <a:r>
+              <a:rPr lang="fr-FR" dirty="0"/>
+              <a:t> EPI et CAPS-EPI.</a:t>
+            </a:r>
+          </a:p>
+          <a:p>
+            <a:r>
+              <a:rPr lang="fr-FR" dirty="0"/>
+              <a:t>Notre mission, c’est de rendre cette chaîne testable automatiquement de bout en bout, même quand certains environnements externes sont indisponibles.</a:t>
+            </a:r>
+          </a:p>
+          <a:p>
+            <a:endParaRPr lang="fr-FR" dirty="0"/>
+          </a:p>
+          <a:p>
+            <a:r>
+              <a:rPr lang="fr-FR" dirty="0"/>
+              <a:t>Enfin, un point clé : au-delà du test technique, l’objectif est de créer une culture d’automatisation commune entre </a:t>
+            </a:r>
+            <a:r>
+              <a:rPr lang="fr-FR" dirty="0" err="1"/>
+              <a:t>BAs</a:t>
+            </a:r>
+            <a:r>
+              <a:rPr lang="fr-FR" dirty="0"/>
+              <a:t>, développeurs et testeurs.</a:t>
+            </a:r>
+            <a:endParaRPr dirty="0"/>
           </a:p>
         </p:txBody>
       </p:sp>
@@ -537,7 +430,7 @@
             <a:spLocks noGrp="1"/>
           </p:cNvSpPr>
           <p:nvPr>
-            <p:ph type="sldNum" idx="5" sz="quarter"/>
+            <p:ph type="sldNum" sz="quarter" idx="5"/>
           </p:nvPr>
         </p:nvSpPr>
         <p:spPr/>
@@ -551,7 +444,7 @@
 </file>
 
 <file path=ppt/notesSlides/notesSlide2.xml><?xml version="1.0" encoding="utf-8"?>
-<p:notes xmlns:a="http://schemas.openxmlformats.org/drawingml/2006/main" xmlns:p="http://schemas.openxmlformats.org/presentationml/2006/main" xmlns:r="http://schemas.openxmlformats.org/officeDocument/2006/relationships">
+<p:notes xmlns:a="http://schemas.openxmlformats.org/drawingml/2006/main" xmlns:r="http://schemas.openxmlformats.org/officeDocument/2006/relationships" xmlns:p="http://schemas.openxmlformats.org/presentationml/2006/main">
   <p:cSld>
     <p:spTree>
       <p:nvGrpSpPr>
@@ -571,7 +464,7 @@
         <p:nvSpPr>
           <p:cNvPr id="2" name="Slide Image Placeholder 1"/>
           <p:cNvSpPr>
-            <a:spLocks noGrp="1"/>
+            <a:spLocks noGrp="1" noRot="1" noChangeAspect="1"/>
           </p:cNvSpPr>
           <p:nvPr>
             <p:ph type="sldImg" idx="2"/>
@@ -586,7 +479,7 @@
             <a:spLocks noGrp="1"/>
           </p:cNvSpPr>
           <p:nvPr>
-            <p:ph type="body" idx="3" sz="quarter"/>
+            <p:ph type="body" sz="quarter" idx="3"/>
           </p:nvPr>
         </p:nvSpPr>
         <p:spPr/>
@@ -595,23 +488,134 @@
           <a:lstStyle/>
           <a:p>
             <a:r>
-              <a:t>L’automatisation est un levier de fiabilité et de productivité.</a:t>
-            </a:r>
-          </a:p>
-          <a:p>
-            <a:r>
-              <a:t>Sur les flux P2P, elle sécurise les parcours critiques et réduit les temps de validation.</a:t>
-            </a:r>
-          </a:p>
-          <a:p>
-            <a:r>
-              <a:t>Les collections Postman deviennent des documents vivants.</a:t>
-            </a:r>
-          </a:p>
-          <a:p>
-            <a:r>
-              <a:t>Les rapports HTML offrent une vision claire et partagée des résultats.</a:t>
-            </a:r>
+              <a:rPr lang="fr-FR" dirty="0"/>
+              <a:t>Il faut rappeler que L’automatisation n’est pas une fin en soi : c’est un levier de qualité et de productivité.</a:t>
+            </a:r>
+          </a:p>
+          <a:p>
+            <a:endParaRPr lang="fr-FR" dirty="0"/>
+          </a:p>
+          <a:p>
+            <a:r>
+              <a:rPr lang="fr-FR" dirty="0"/>
+              <a:t>Sur des flux sensibles comme les paiements, les erreurs peuvent coûter cher : une régression fonctionnelle dans une API P2P, par exemple, peut bloquer des transactions entières.</a:t>
+            </a:r>
+          </a:p>
+          <a:p>
+            <a:endParaRPr lang="fr-FR" dirty="0"/>
+          </a:p>
+          <a:p>
+            <a:r>
+              <a:rPr lang="fr-FR" dirty="0"/>
+              <a:t>En automatisant, on sécurise ces parcours critiques tout en gagnant du temps : les tests peuvent être rejoués à chaque déploiement, de jour comme de nuit, sans effort manuel.</a:t>
+            </a:r>
+          </a:p>
+          <a:p>
+            <a:endParaRPr lang="fr-FR" dirty="0"/>
+          </a:p>
+          <a:p>
+            <a:r>
+              <a:rPr lang="fr-FR" dirty="0"/>
+              <a:t>Chaque collection Postman devient une documentation vivante :</a:t>
+            </a:r>
+          </a:p>
+          <a:p>
+            <a:r>
+              <a:rPr lang="fr-FR" dirty="0"/>
+              <a:t>elle décrit les cas fonctionnels, montre les en-têtes, les </a:t>
+            </a:r>
+            <a:r>
+              <a:rPr lang="fr-FR" dirty="0" err="1"/>
+              <a:t>payloads</a:t>
+            </a:r>
+            <a:r>
+              <a:rPr lang="fr-FR" dirty="0"/>
+              <a:t>, les règles métier, et elle est exécutable instantanément.</a:t>
+            </a:r>
+          </a:p>
+          <a:p>
+            <a:endParaRPr lang="fr-FR" dirty="0"/>
+          </a:p>
+          <a:p>
+            <a:endParaRPr lang="fr-FR" dirty="0"/>
+          </a:p>
+          <a:p>
+            <a:pPr marL="0" marR="0" lvl="0" indent="0" algn="l" defTabSz="914400" rtl="0" eaLnBrk="1" fontAlgn="auto" latinLnBrk="0" hangingPunct="1">
+              <a:lnSpc>
+                <a:spcPct val="100000"/>
+              </a:lnSpc>
+              <a:spcBef>
+                <a:spcPts val="0"/>
+              </a:spcBef>
+              <a:spcAft>
+                <a:spcPts val="0"/>
+              </a:spcAft>
+              <a:buClrTx/>
+              <a:buSzTx/>
+              <a:buFontTx/>
+              <a:buNone/>
+              <a:tabLst/>
+              <a:defRPr/>
+            </a:pPr>
+            <a:r>
+              <a:rPr lang="fr-FR" dirty="0"/>
+              <a:t>Le 4eme point c’est que ça permet aux équipes non techniques de lire et exécuter les scénarios</a:t>
+            </a:r>
+          </a:p>
+          <a:p>
+            <a:r>
+              <a:rPr lang="fr-FR" dirty="0"/>
+              <a:t>Pour les </a:t>
+            </a:r>
+            <a:r>
+              <a:rPr lang="fr-FR" dirty="0" err="1"/>
+              <a:t>BAs</a:t>
+            </a:r>
+            <a:r>
+              <a:rPr lang="fr-FR" dirty="0"/>
+              <a:t> ou les Product </a:t>
+            </a:r>
+            <a:r>
+              <a:rPr lang="fr-FR" dirty="0" err="1"/>
+              <a:t>Owners</a:t>
+            </a:r>
+            <a:r>
+              <a:rPr lang="fr-FR" dirty="0"/>
+              <a:t>, c’est un vrai atout : ils peuvent visualiser la logique des tests sans écrire une ligne de code.</a:t>
+            </a:r>
+          </a:p>
+          <a:p>
+            <a:endParaRPr lang="fr-FR" dirty="0"/>
+          </a:p>
+          <a:p>
+            <a:r>
+              <a:rPr lang="fr-FR" dirty="0"/>
+              <a:t>Autre point fort : la traçabilité.</a:t>
+            </a:r>
+          </a:p>
+          <a:p>
+            <a:r>
+              <a:rPr lang="fr-FR" dirty="0"/>
+              <a:t>Les rapports HTML générés par Newman offrent une lecture immédiate du résultat, avec un code couleur, des statistiques et des liens directs vers les scénarios échoués.</a:t>
+            </a:r>
+          </a:p>
+          <a:p>
+            <a:endParaRPr lang="fr-FR" dirty="0"/>
+          </a:p>
+          <a:p>
+            <a:r>
+              <a:rPr lang="fr-FR" dirty="0"/>
+              <a:t>L’automatisation devient donc un outil de communication : entre devs, </a:t>
+            </a:r>
+            <a:r>
+              <a:rPr lang="fr-FR" dirty="0" err="1"/>
+              <a:t>BAs</a:t>
+            </a:r>
+            <a:r>
+              <a:rPr lang="fr-FR" dirty="0"/>
+              <a:t> et QA, on parle enfin le même langage, celui du résultat mesurable.</a:t>
+            </a:r>
+            <a:endParaRPr dirty="0"/>
           </a:p>
         </p:txBody>
       </p:sp>
@@ -622,7 +626,7 @@
             <a:spLocks noGrp="1"/>
           </p:cNvSpPr>
           <p:nvPr>
-            <p:ph type="sldNum" idx="5" sz="quarter"/>
+            <p:ph type="sldNum" sz="quarter" idx="5"/>
           </p:nvPr>
         </p:nvSpPr>
         <p:spPr/>
@@ -636,7 +640,7 @@
 </file>
 
 <file path=ppt/notesSlides/notesSlide3.xml><?xml version="1.0" encoding="utf-8"?>
-<p:notes xmlns:a="http://schemas.openxmlformats.org/drawingml/2006/main" xmlns:p="http://schemas.openxmlformats.org/presentationml/2006/main" xmlns:r="http://schemas.openxmlformats.org/officeDocument/2006/relationships">
+<p:notes xmlns:a="http://schemas.openxmlformats.org/drawingml/2006/main" xmlns:r="http://schemas.openxmlformats.org/officeDocument/2006/relationships" xmlns:p="http://schemas.openxmlformats.org/presentationml/2006/main">
   <p:cSld>
     <p:spTree>
       <p:nvGrpSpPr>
@@ -656,7 +660,7 @@
         <p:nvSpPr>
           <p:cNvPr id="2" name="Slide Image Placeholder 1"/>
           <p:cNvSpPr>
-            <a:spLocks noGrp="1"/>
+            <a:spLocks noGrp="1" noRot="1" noChangeAspect="1"/>
           </p:cNvSpPr>
           <p:nvPr>
             <p:ph type="sldImg" idx="2"/>
@@ -671,7 +675,7 @@
             <a:spLocks noGrp="1"/>
           </p:cNvSpPr>
           <p:nvPr>
-            <p:ph type="body" idx="3" sz="quarter"/>
+            <p:ph type="body" sz="quarter" idx="3"/>
           </p:nvPr>
         </p:nvSpPr>
         <p:spPr/>
@@ -680,23 +684,181 @@
           <a:lstStyle/>
           <a:p>
             <a:r>
-              <a:t>OSD : approche industrielle, data-driven, centralisation des jeux de données.</a:t>
-            </a:r>
-          </a:p>
-          <a:p>
-            <a:r>
-              <a:t>PAY : approche lisible et fonctionnelle, avec collaboration BA/Dev.</a:t>
-            </a:r>
-          </a:p>
-          <a:p>
-            <a:r>
-              <a:t>Mockoon a permis de simuler CAPS-EPI pour tester les microservices même sans environnement réel.</a:t>
-            </a:r>
-          </a:p>
-          <a:p>
-            <a:r>
-              <a:t>Les rapports Jenkins/Newman assurent une visibilité immédiate des résultats.</a:t>
-            </a:r>
+              <a:rPr lang="fr-FR" dirty="0"/>
+              <a:t>Concrètement, la réalisation des tests a pris des formes assez différentes selon les </a:t>
+            </a:r>
+            <a:r>
+              <a:rPr lang="fr-FR" dirty="0" err="1"/>
+              <a:t>squads</a:t>
+            </a:r>
+            <a:r>
+              <a:rPr lang="fr-FR" dirty="0"/>
+              <a:t>.</a:t>
+            </a:r>
+          </a:p>
+          <a:p>
+            <a:endParaRPr lang="fr-FR" dirty="0"/>
+          </a:p>
+          <a:p>
+            <a:r>
+              <a:rPr lang="fr-FR" dirty="0"/>
+              <a:t>Chez OFD, on a privilégié une approche data-</a:t>
+            </a:r>
+            <a:r>
+              <a:rPr lang="fr-FR" dirty="0" err="1"/>
+              <a:t>driven</a:t>
+            </a:r>
+            <a:r>
+              <a:rPr lang="fr-FR" dirty="0"/>
+              <a:t>.</a:t>
+            </a:r>
+          </a:p>
+          <a:p>
+            <a:r>
+              <a:rPr lang="fr-FR" dirty="0"/>
+              <a:t>L’idée était de centraliser toutes les données de test dans un fichier unique (JSON ou Excel) et de générer dynamiquement les corps de requête.</a:t>
+            </a:r>
+          </a:p>
+          <a:p>
+            <a:endParaRPr lang="fr-FR" dirty="0"/>
+          </a:p>
+          <a:p>
+            <a:r>
+              <a:rPr lang="fr-FR" dirty="0"/>
+              <a:t>Cette approche a plusieurs avantages :</a:t>
+            </a:r>
+          </a:p>
+          <a:p>
+            <a:r>
+              <a:rPr lang="fr-FR" dirty="0"/>
+              <a:t>	•	plus de duplication de requêtes,</a:t>
+            </a:r>
+          </a:p>
+          <a:p>
+            <a:r>
+              <a:rPr lang="fr-FR" dirty="0"/>
+              <a:t>	•	des campagnes évolutives,</a:t>
+            </a:r>
+          </a:p>
+          <a:p>
+            <a:r>
+              <a:rPr lang="fr-FR" dirty="0"/>
+              <a:t>	•	et une maintenance très réduite.</a:t>
+            </a:r>
+          </a:p>
+          <a:p>
+            <a:endParaRPr lang="fr-FR" dirty="0"/>
+          </a:p>
+          <a:p>
+            <a:r>
+              <a:rPr lang="fr-FR" dirty="0"/>
+              <a:t>En revanche, elle nécessite un bon niveau de rigueur et de paramétrage.</a:t>
+            </a:r>
+          </a:p>
+          <a:p>
+            <a:endParaRPr lang="fr-FR" dirty="0"/>
+          </a:p>
+          <a:p>
+            <a:r>
+              <a:rPr lang="fr-FR" dirty="0"/>
+              <a:t>Chez PAY, on a fait un choix différent : rendre la collection plus lisible pour les </a:t>
+            </a:r>
+            <a:r>
+              <a:rPr lang="fr-FR" dirty="0" err="1"/>
+              <a:t>BAs</a:t>
+            </a:r>
+            <a:r>
+              <a:rPr lang="fr-FR" dirty="0"/>
+              <a:t> et plus intuitive à exécuter.</a:t>
+            </a:r>
+          </a:p>
+          <a:p>
+            <a:r>
+              <a:rPr lang="fr-FR" dirty="0"/>
+              <a:t>Chaque sous-collection correspond à un scénario fonctionnel clair : création, contrôle, consultation du paiement, etc.</a:t>
+            </a:r>
+          </a:p>
+          <a:p>
+            <a:endParaRPr lang="fr-FR" dirty="0"/>
+          </a:p>
+          <a:p>
+            <a:r>
+              <a:rPr lang="fr-FR" dirty="0"/>
+              <a:t>Les scripts communs (pré-</a:t>
+            </a:r>
+            <a:r>
+              <a:rPr lang="fr-FR" dirty="0" err="1"/>
+              <a:t>request</a:t>
+            </a:r>
+            <a:r>
+              <a:rPr lang="fr-FR" dirty="0"/>
+              <a:t>, assertions, génération de </a:t>
+            </a:r>
+            <a:r>
+              <a:rPr lang="fr-FR" dirty="0" err="1"/>
+              <a:t>Correlation</a:t>
+            </a:r>
+            <a:r>
+              <a:rPr lang="fr-FR" dirty="0"/>
+              <a:t> ID, etc.) sont factorisés pour réduire la redondance.</a:t>
+            </a:r>
+          </a:p>
+          <a:p>
+            <a:endParaRPr lang="fr-FR" dirty="0"/>
+          </a:p>
+          <a:p>
+            <a:r>
+              <a:rPr lang="fr-FR" dirty="0"/>
+              <a:t>Ce qui change aussi, c’est l’usage de </a:t>
+            </a:r>
+            <a:r>
+              <a:rPr lang="fr-FR" dirty="0" err="1"/>
+              <a:t>Mockoon</a:t>
+            </a:r>
+            <a:r>
+              <a:rPr lang="fr-FR" dirty="0"/>
+              <a:t> :</a:t>
+            </a:r>
+          </a:p>
+          <a:p>
+            <a:r>
+              <a:rPr lang="fr-FR" dirty="0"/>
+              <a:t>on a pu simuler les réponses du système tiers CAPS-EPI, ce qui permet de tester des parcours complets même quand les environnements réels sont indisponibles.</a:t>
+            </a:r>
+          </a:p>
+          <a:p>
+            <a:endParaRPr lang="fr-FR" dirty="0"/>
+          </a:p>
+          <a:p>
+            <a:r>
+              <a:rPr lang="fr-FR" dirty="0"/>
+              <a:t>On a également intégré Bruno pour évaluer une alternative open-source à Postman, notamment pour les exécutions locales et la compatibilité CI/CD.</a:t>
+            </a:r>
+          </a:p>
+          <a:p>
+            <a:endParaRPr lang="fr-FR" dirty="0"/>
+          </a:p>
+          <a:p>
+            <a:r>
+              <a:rPr lang="fr-FR" dirty="0"/>
+              <a:t>Enfin, tous les rapports sont générés automatiquement via Newman ou Jenkins, dans un format HTML exploitable par tous les membres de l’équipe.</a:t>
+            </a:r>
+          </a:p>
+          <a:p>
+            <a:endParaRPr lang="fr-FR" dirty="0"/>
+          </a:p>
+          <a:p>
+            <a:r>
+              <a:rPr lang="fr-FR" dirty="0"/>
+              <a:t>En résumé : OFD a apporté la structure et la réutilisabilité ; PAY a apporté la lisibilité et la transversalité.</a:t>
+            </a:r>
+          </a:p>
+          <a:p>
+            <a:r>
+              <a:rPr lang="fr-FR" dirty="0"/>
+              <a:t>Les deux modèles se complètent parfaitement.</a:t>
+            </a:r>
+            <a:endParaRPr dirty="0"/>
           </a:p>
         </p:txBody>
       </p:sp>
@@ -707,7 +869,7 @@
             <a:spLocks noGrp="1"/>
           </p:cNvSpPr>
           <p:nvPr>
-            <p:ph type="sldNum" idx="5" sz="quarter"/>
+            <p:ph type="sldNum" sz="quarter" idx="5"/>
           </p:nvPr>
         </p:nvSpPr>
         <p:spPr/>
@@ -721,7 +883,7 @@
 </file>
 
 <file path=ppt/notesSlides/notesSlide4.xml><?xml version="1.0" encoding="utf-8"?>
-<p:notes xmlns:a="http://schemas.openxmlformats.org/drawingml/2006/main" xmlns:p="http://schemas.openxmlformats.org/presentationml/2006/main" xmlns:r="http://schemas.openxmlformats.org/officeDocument/2006/relationships">
+<p:notes xmlns:a="http://schemas.openxmlformats.org/drawingml/2006/main" xmlns:r="http://schemas.openxmlformats.org/officeDocument/2006/relationships" xmlns:p="http://schemas.openxmlformats.org/presentationml/2006/main">
   <p:cSld>
     <p:spTree>
       <p:nvGrpSpPr>
@@ -741,7 +903,7 @@
         <p:nvSpPr>
           <p:cNvPr id="2" name="Slide Image Placeholder 1"/>
           <p:cNvSpPr>
-            <a:spLocks noGrp="1"/>
+            <a:spLocks noGrp="1" noRot="1" noChangeAspect="1"/>
           </p:cNvSpPr>
           <p:nvPr>
             <p:ph type="sldImg" idx="2"/>
@@ -756,7 +918,7 @@
             <a:spLocks noGrp="1"/>
           </p:cNvSpPr>
           <p:nvPr>
-            <p:ph type="body" idx="3" sz="quarter"/>
+            <p:ph type="body" sz="quarter" idx="3"/>
           </p:nvPr>
         </p:nvSpPr>
         <p:spPr/>
@@ -765,23 +927,189 @@
           <a:lstStyle/>
           <a:p>
             <a:r>
-              <a:t>L’impact est clair : +80 % de couverture, forte réduction du temps de test.</a:t>
-            </a:r>
-          </a:p>
-          <a:p>
-            <a:r>
-              <a:t>Les équipes gagnent en autonomie et en confiance.</a:t>
-            </a:r>
-          </a:p>
-          <a:p>
-            <a:r>
-              <a:t>Les modèles créés dans PAY inspirent déjà d’autres squads.</a:t>
-            </a:r>
-          </a:p>
-          <a:p>
-            <a:r>
-              <a:t>Prochaine étape : exécution automatique des tests à chaque déploiement CI/CD.</a:t>
-            </a:r>
+              <a:rPr lang="fr-FR" dirty="0"/>
+              <a:t>Concrètement, la réalisation des tests a pris des formes assez différentes selon les </a:t>
+            </a:r>
+            <a:r>
+              <a:rPr lang="fr-FR" dirty="0" err="1"/>
+              <a:t>squads</a:t>
+            </a:r>
+            <a:r>
+              <a:rPr lang="fr-FR" dirty="0"/>
+              <a:t>.</a:t>
+            </a:r>
+          </a:p>
+          <a:p>
+            <a:endParaRPr lang="fr-FR" dirty="0"/>
+          </a:p>
+          <a:p>
+            <a:r>
+              <a:rPr lang="fr-FR" dirty="0"/>
+              <a:t>Chez OFD, on a privilégié une approche data-</a:t>
+            </a:r>
+            <a:r>
+              <a:rPr lang="fr-FR" dirty="0" err="1"/>
+              <a:t>driven</a:t>
+            </a:r>
+            <a:r>
+              <a:rPr lang="fr-FR" dirty="0"/>
+              <a:t>.</a:t>
+            </a:r>
+          </a:p>
+          <a:p>
+            <a:r>
+              <a:rPr lang="fr-FR" dirty="0"/>
+              <a:t>L’idée était de centraliser toutes les données de test dans un fichier unique (JSON ou Excel) et de générer dynamiquement les corps de requête.</a:t>
+            </a:r>
+          </a:p>
+          <a:p>
+            <a:endParaRPr lang="fr-FR" dirty="0"/>
+          </a:p>
+          <a:p>
+            <a:r>
+              <a:rPr lang="fr-FR" dirty="0"/>
+              <a:t>Cette approche a plusieurs avantages :</a:t>
+            </a:r>
+          </a:p>
+          <a:p>
+            <a:r>
+              <a:rPr lang="fr-FR" dirty="0"/>
+              <a:t>	•	comme le fait d’éviter  la duplication de requêtes,</a:t>
+            </a:r>
+          </a:p>
+          <a:p>
+            <a:r>
+              <a:rPr lang="fr-FR" dirty="0"/>
+              <a:t>	•	et la possibilité de dérouler des campagnes évolutives,</a:t>
+            </a:r>
+          </a:p>
+          <a:p>
+            <a:r>
+              <a:rPr lang="fr-FR" dirty="0"/>
+              <a:t>	•	et une maintenance très réduite.</a:t>
+            </a:r>
+          </a:p>
+          <a:p>
+            <a:endParaRPr lang="fr-FR" dirty="0"/>
+          </a:p>
+          <a:p>
+            <a:r>
+              <a:rPr lang="fr-FR" dirty="0"/>
+              <a:t>En revanche, elle nécessite un bon niveau de rigueur et de paramétrage.</a:t>
+            </a:r>
+          </a:p>
+          <a:p>
+            <a:endParaRPr lang="fr-FR" dirty="0"/>
+          </a:p>
+          <a:p>
+            <a:r>
+              <a:rPr lang="fr-FR" dirty="0"/>
+              <a:t>Chez PAY, on a fait un choix différent : </a:t>
+            </a:r>
+            <a:r>
+              <a:rPr lang="fr-FR"/>
+              <a:t>càd de rendre </a:t>
+            </a:r>
+            <a:r>
+              <a:rPr lang="fr-FR" dirty="0"/>
+              <a:t>la collection plus lisible pour les </a:t>
+            </a:r>
+            <a:r>
+              <a:rPr lang="fr-FR" dirty="0" err="1"/>
+              <a:t>BAs</a:t>
+            </a:r>
+            <a:r>
+              <a:rPr lang="fr-FR" dirty="0"/>
+              <a:t> et plus intuitive à exécuter.</a:t>
+            </a:r>
+          </a:p>
+          <a:p>
+            <a:r>
+              <a:rPr lang="fr-FR" dirty="0"/>
+              <a:t>Chaque sous-collection correspond à un scénario fonctionnel clair : création, contrôle, consultation du paiement, etc.</a:t>
+            </a:r>
+          </a:p>
+          <a:p>
+            <a:endParaRPr lang="fr-FR" dirty="0"/>
+          </a:p>
+          <a:p>
+            <a:r>
+              <a:rPr lang="fr-FR" dirty="0"/>
+              <a:t>Les scripts communs (pré-</a:t>
+            </a:r>
+            <a:r>
+              <a:rPr lang="fr-FR" dirty="0" err="1"/>
+              <a:t>request</a:t>
+            </a:r>
+            <a:r>
+              <a:rPr lang="fr-FR" dirty="0"/>
+              <a:t>, assertions, génération de </a:t>
+            </a:r>
+            <a:r>
+              <a:rPr lang="fr-FR" dirty="0" err="1"/>
+              <a:t>Correlation</a:t>
+            </a:r>
+            <a:r>
+              <a:rPr lang="fr-FR" dirty="0"/>
+              <a:t> ID, etc.) sont factorisés pour réduire la redondance.</a:t>
+            </a:r>
+          </a:p>
+          <a:p>
+            <a:endParaRPr lang="fr-FR" dirty="0"/>
+          </a:p>
+          <a:p>
+            <a:r>
+              <a:rPr lang="fr-FR" dirty="0"/>
+              <a:t>Ce qui change aussi, c’est l’usage de </a:t>
+            </a:r>
+            <a:r>
+              <a:rPr lang="fr-FR" dirty="0" err="1"/>
+              <a:t>Mockoon</a:t>
+            </a:r>
+            <a:r>
+              <a:rPr lang="fr-FR" dirty="0"/>
+              <a:t> :</a:t>
+            </a:r>
+          </a:p>
+          <a:p>
+            <a:r>
+              <a:rPr lang="fr-FR" dirty="0"/>
+              <a:t>on a pu simuler les réponses du système tiers CAPS-EPI, ce qui permet de tester des parcours complets même quand les environnements réels sont indisponibles.</a:t>
+            </a:r>
+          </a:p>
+          <a:p>
+            <a:endParaRPr lang="fr-FR" dirty="0"/>
+          </a:p>
+          <a:p>
+            <a:r>
+              <a:rPr lang="fr-FR" dirty="0"/>
+              <a:t>On a également intégré Bruno pour évaluer une alternative open-source à Postman, notamment pour les exécutions locales et la compatibilité CI/CD.</a:t>
+            </a:r>
+          </a:p>
+          <a:p>
+            <a:endParaRPr lang="fr-FR" dirty="0"/>
+          </a:p>
+          <a:p>
+            <a:r>
+              <a:rPr lang="fr-FR" dirty="0"/>
+              <a:t>Enfin, tous les rapports sont générés automatiquement via Newman ou Jenkins, dans un format HTML exploitable par tous les membres de l’équipe.</a:t>
+            </a:r>
+          </a:p>
+          <a:p>
+            <a:endParaRPr lang="fr-FR" dirty="0"/>
+          </a:p>
+          <a:p>
+            <a:r>
+              <a:rPr lang="fr-FR" dirty="0"/>
+              <a:t>En résumé : OFD a apporté la structure et la réutilisabilité ; PAY a apporté la lisibilité et la transversalité.</a:t>
+            </a:r>
+          </a:p>
+          <a:p>
+            <a:r>
+              <a:rPr lang="fr-FR" dirty="0"/>
+              <a:t>Les deux modèles se complètent parfaitement.</a:t>
+            </a:r>
+            <a:endParaRPr dirty="0"/>
           </a:p>
         </p:txBody>
       </p:sp>
@@ -792,7 +1120,414 @@
             <a:spLocks noGrp="1"/>
           </p:cNvSpPr>
           <p:nvPr>
-            <p:ph type="sldNum" idx="5" sz="quarter"/>
+            <p:ph type="sldNum" sz="quarter" idx="5"/>
+          </p:nvPr>
+        </p:nvSpPr>
+        <p:spPr/>
+      </p:sp>
+    </p:spTree>
+    <p:extLst>
+      <p:ext uri="{BB962C8B-B14F-4D97-AF65-F5344CB8AC3E}">
+        <p14:creationId xmlns:p14="http://schemas.microsoft.com/office/powerpoint/2010/main" val="3560676377"/>
+      </p:ext>
+    </p:extLst>
+  </p:cSld>
+  <p:clrMapOvr>
+    <a:masterClrMapping/>
+  </p:clrMapOvr>
+</p:notes>
+</file>
+
+<file path=ppt/notesSlides/notesSlide5.xml><?xml version="1.0" encoding="utf-8"?>
+<p:notes xmlns:a="http://schemas.openxmlformats.org/drawingml/2006/main" xmlns:r="http://schemas.openxmlformats.org/officeDocument/2006/relationships" xmlns:p="http://schemas.openxmlformats.org/presentationml/2006/main">
+  <p:cSld>
+    <p:spTree>
+      <p:nvGrpSpPr>
+        <p:cNvPr id="1" name=""/>
+        <p:cNvGrpSpPr/>
+        <p:nvPr/>
+      </p:nvGrpSpPr>
+      <p:grpSpPr>
+        <a:xfrm>
+          <a:off x="0" y="0"/>
+          <a:ext cx="0" cy="0"/>
+          <a:chOff x="0" y="0"/>
+          <a:chExt cx="0" cy="0"/>
+        </a:xfrm>
+      </p:grpSpPr>
+      <p:sp>
+        <p:nvSpPr>
+          <p:cNvPr id="2" name="Slide Image Placeholder 1"/>
+          <p:cNvSpPr>
+            <a:spLocks noGrp="1" noRot="1" noChangeAspect="1"/>
+          </p:cNvSpPr>
+          <p:nvPr>
+            <p:ph type="sldImg" idx="2"/>
+          </p:nvPr>
+        </p:nvSpPr>
+        <p:spPr/>
+      </p:sp>
+      <p:sp>
+        <p:nvSpPr>
+          <p:cNvPr id="3" name="Notes Placeholder 2"/>
+          <p:cNvSpPr>
+            <a:spLocks noGrp="1"/>
+          </p:cNvSpPr>
+          <p:nvPr>
+            <p:ph type="body" sz="quarter" idx="3"/>
+          </p:nvPr>
+        </p:nvSpPr>
+        <p:spPr/>
+        <p:txBody>
+          <a:bodyPr/>
+          <a:lstStyle/>
+          <a:p>
+            <a:r>
+              <a:rPr lang="fr-FR" dirty="0"/>
+              <a:t>Au-delà de la technique, cette aventure m’a surtout permis de mesurer l’impact humain et collectif de l’automatisation.</a:t>
+            </a:r>
+          </a:p>
+          <a:p>
+            <a:endParaRPr lang="fr-FR" dirty="0"/>
+          </a:p>
+          <a:p>
+            <a:r>
+              <a:rPr lang="fr-FR" dirty="0"/>
+              <a:t>Sur le plan des résultats, les gains sont clairs :</a:t>
+            </a:r>
+          </a:p>
+          <a:p>
+            <a:pPr marL="0" marR="0" lvl="0" indent="0" algn="l" defTabSz="914400" rtl="0" eaLnBrk="1" fontAlgn="auto" latinLnBrk="0" hangingPunct="1">
+              <a:lnSpc>
+                <a:spcPct val="100000"/>
+              </a:lnSpc>
+              <a:spcBef>
+                <a:spcPts val="0"/>
+              </a:spcBef>
+              <a:spcAft>
+                <a:spcPts val="0"/>
+              </a:spcAft>
+              <a:buClrTx/>
+              <a:buSzTx/>
+              <a:buFontTx/>
+              <a:buNone/>
+              <a:tabLst/>
+              <a:defRPr/>
+            </a:pPr>
+            <a:r>
+              <a:rPr lang="fr-FR" dirty="0"/>
+              <a:t>-des temps de validation divisés par deux à trois,</a:t>
+            </a:r>
+          </a:p>
+          <a:p>
+            <a:r>
+              <a:rPr lang="fr-FR" dirty="0"/>
+              <a:t>-Une progression marquée de la couverture des </a:t>
+            </a:r>
+            <a:r>
+              <a:rPr lang="fr-FR" dirty="0" err="1"/>
+              <a:t>endpoints</a:t>
+            </a:r>
+            <a:r>
+              <a:rPr lang="fr-FR" dirty="0"/>
+              <a:t> critiques,</a:t>
+            </a:r>
+          </a:p>
+          <a:p>
+            <a:r>
+              <a:rPr lang="fr-FR" dirty="0"/>
+              <a:t>-et des anomalies détectées beaucoup plus tôt. Et donc une vraie baisse des </a:t>
+            </a:r>
+            <a:r>
+              <a:rPr lang="fr-FR" dirty="0" err="1"/>
+              <a:t>regression</a:t>
+            </a:r>
+            <a:r>
+              <a:rPr lang="fr-FR" dirty="0"/>
+              <a:t> entre les versions grâce à l’exécution systématique des scenarios critiques avant chaque livraison.</a:t>
+            </a:r>
+          </a:p>
+          <a:p>
+            <a:r>
+              <a:rPr lang="fr-FR" dirty="0"/>
+              <a:t>-En parallèle, les équipes ont gagné en confiance.</a:t>
+            </a:r>
+          </a:p>
+          <a:p>
+            <a:r>
+              <a:rPr lang="fr-FR" dirty="0"/>
+              <a:t>Le fait de pouvoir lancer une exécution et obtenir un rapport lisible, sans passer par le QA, change complètement la dynamique.</a:t>
+            </a:r>
+          </a:p>
+          <a:p>
+            <a:r>
+              <a:rPr lang="fr-FR" dirty="0"/>
+              <a:t>---------</a:t>
+            </a:r>
+          </a:p>
+          <a:p>
+            <a:r>
+              <a:rPr lang="fr-FR" dirty="0"/>
+              <a:t>Côté points d’attention, la maintenance reste essentielle :</a:t>
+            </a:r>
+          </a:p>
+          <a:p>
+            <a:r>
+              <a:rPr lang="fr-FR" dirty="0"/>
+              <a:t>-une collection automatisée n’est utile que si elle évolue avec le produit.</a:t>
+            </a:r>
+          </a:p>
+          <a:p>
+            <a:r>
+              <a:rPr lang="fr-FR" dirty="0"/>
+              <a:t>-C’est pourquoi j’insiste sur la co-construction avec les </a:t>
+            </a:r>
+            <a:r>
+              <a:rPr lang="fr-FR" dirty="0" err="1"/>
+              <a:t>BAs</a:t>
+            </a:r>
+            <a:r>
+              <a:rPr lang="fr-FR" dirty="0"/>
+              <a:t> et des fois les développeurs : plus ils s’approprient la logique des tests, plus la qualité devient collective.</a:t>
+            </a:r>
+          </a:p>
+          <a:p>
+            <a:r>
+              <a:rPr lang="fr-FR" dirty="0"/>
+              <a:t>-Et bien sur le fait de rester alignés avec les contrats d’interfaces pendant la construction et gestion du patrimoine de tests</a:t>
+            </a:r>
+          </a:p>
+          <a:p>
+            <a:r>
+              <a:rPr lang="fr-FR" dirty="0"/>
+              <a:t>---------</a:t>
+            </a:r>
+          </a:p>
+          <a:p>
+            <a:r>
+              <a:rPr lang="fr-FR" dirty="0"/>
+              <a:t>Parmi les fiertés, je citerais :</a:t>
+            </a:r>
+          </a:p>
+          <a:p>
+            <a:r>
+              <a:rPr lang="fr-FR" dirty="0"/>
+              <a:t>-la mise en place des pipelines ci/cd qui exécutent automatiquement les tests </a:t>
+            </a:r>
+            <a:r>
+              <a:rPr lang="fr-FR" dirty="0" err="1"/>
+              <a:t>postman</a:t>
+            </a:r>
+            <a:r>
+              <a:rPr lang="fr-FR" dirty="0"/>
+              <a:t> via </a:t>
+            </a:r>
+            <a:r>
+              <a:rPr lang="fr-FR" dirty="0" err="1"/>
+              <a:t>newman</a:t>
+            </a:r>
+            <a:endParaRPr lang="fr-FR" dirty="0"/>
+          </a:p>
+          <a:p>
+            <a:r>
+              <a:rPr lang="fr-FR" dirty="0"/>
+              <a:t>-ensuite il </a:t>
+            </a:r>
+            <a:r>
+              <a:rPr lang="fr-FR" dirty="0" err="1"/>
+              <a:t>ya</a:t>
+            </a:r>
+            <a:r>
+              <a:rPr lang="fr-FR" dirty="0"/>
+              <a:t> le partage de bonnes pratiques, la manière dont on a structuré les collections les </a:t>
+            </a:r>
+            <a:r>
+              <a:rPr lang="fr-FR" dirty="0" err="1"/>
+              <a:t>jdd</a:t>
+            </a:r>
+            <a:r>
+              <a:rPr lang="fr-FR" dirty="0"/>
+              <a:t> et les rapports </a:t>
+            </a:r>
+            <a:r>
+              <a:rPr lang="fr-FR" dirty="0" err="1"/>
+              <a:t>etc</a:t>
+            </a:r>
+            <a:r>
+              <a:rPr lang="fr-FR" dirty="0"/>
+              <a:t> , Surtout les modèles créés pour la l’</a:t>
+            </a:r>
+            <a:r>
+              <a:rPr lang="fr-FR" dirty="0" err="1"/>
+              <a:t>equipe</a:t>
+            </a:r>
+            <a:r>
+              <a:rPr lang="fr-FR" dirty="0"/>
+              <a:t> de la deuxième immersion commencent à être réutilisés dans d’autres </a:t>
+            </a:r>
+            <a:r>
+              <a:rPr lang="fr-FR" dirty="0" err="1"/>
+              <a:t>equipes</a:t>
+            </a:r>
+            <a:r>
+              <a:rPr lang="fr-FR" dirty="0"/>
+              <a:t> partenaires (</a:t>
+            </a:r>
+            <a:r>
+              <a:rPr lang="fr-FR" dirty="0" err="1"/>
+              <a:t>epi</a:t>
+            </a:r>
+            <a:r>
+              <a:rPr lang="fr-FR" dirty="0"/>
+              <a:t>), et les rapports HTML servent désormais de support aux démos.</a:t>
+            </a:r>
+          </a:p>
+          <a:p>
+            <a:r>
+              <a:rPr lang="fr-FR" dirty="0"/>
+              <a:t>- Autre fierté , qui l’adoption des </a:t>
+            </a:r>
+            <a:r>
+              <a:rPr lang="fr-FR" dirty="0" err="1"/>
+              <a:t>bouckons</a:t>
+            </a:r>
+            <a:r>
+              <a:rPr lang="fr-FR" dirty="0"/>
+              <a:t> </a:t>
+            </a:r>
+            <a:r>
+              <a:rPr lang="fr-FR" dirty="0" err="1"/>
+              <a:t>mockoon</a:t>
+            </a:r>
+            <a:r>
+              <a:rPr lang="fr-FR" dirty="0"/>
+              <a:t>, grâce à ça on a pu simuler les appels vers des applis ou services tiers et continuer à tester même en cas d’indisponibilité de leurs environnements</a:t>
+            </a:r>
+          </a:p>
+          <a:p>
+            <a:endParaRPr lang="fr-FR" dirty="0"/>
+          </a:p>
+          <a:p>
+            <a:r>
+              <a:rPr lang="fr-FR" dirty="0"/>
+              <a:t>Pour la suite, l’ambition est claire :</a:t>
+            </a:r>
+          </a:p>
+          <a:p>
+            <a:r>
+              <a:rPr lang="fr-FR" dirty="0"/>
+              <a:t>-avoir  un espace partagé qui regroupera toutes les collections validées, leurs </a:t>
+            </a:r>
+            <a:r>
+              <a:rPr lang="fr-FR" dirty="0" err="1"/>
+              <a:t>env</a:t>
+            </a:r>
+            <a:r>
+              <a:rPr lang="fr-FR" dirty="0"/>
+              <a:t>, et les bonnes pratiques associées ( l’idée est d’avoir une base unique pour chaque </a:t>
+            </a:r>
+            <a:r>
+              <a:rPr lang="fr-FR" dirty="0" err="1"/>
+              <a:t>equipe</a:t>
+            </a:r>
+            <a:r>
+              <a:rPr lang="fr-FR" dirty="0"/>
+              <a:t>, versionnée et maintenue de façon collaborative.</a:t>
+            </a:r>
+          </a:p>
+          <a:p>
+            <a:r>
+              <a:rPr lang="fr-FR" dirty="0"/>
+              <a:t>-intégrer ces tests directement dans les pipelines CI/CD, : </a:t>
+            </a:r>
+            <a:r>
+              <a:rPr lang="fr-FR" dirty="0" err="1"/>
+              <a:t>pcq</a:t>
+            </a:r>
+            <a:r>
+              <a:rPr lang="fr-FR" dirty="0"/>
+              <a:t> </a:t>
+            </a:r>
+            <a:r>
+              <a:rPr lang="fr-FR" dirty="0" err="1"/>
+              <a:t>auj</a:t>
+            </a:r>
+            <a:r>
+              <a:rPr lang="fr-FR" dirty="0"/>
+              <a:t> </a:t>
+            </a:r>
+            <a:r>
+              <a:rPr lang="fr-FR" dirty="0" err="1"/>
+              <a:t>certaies</a:t>
+            </a:r>
+            <a:r>
+              <a:rPr lang="fr-FR" dirty="0"/>
+              <a:t> pipelines </a:t>
+            </a:r>
+            <a:r>
+              <a:rPr lang="fr-FR" dirty="0" err="1"/>
+              <a:t>exécutents</a:t>
+            </a:r>
+            <a:r>
+              <a:rPr lang="fr-FR" dirty="0"/>
+              <a:t> déjà les tests </a:t>
+            </a:r>
+            <a:r>
+              <a:rPr lang="fr-FR" dirty="0" err="1"/>
+              <a:t>masi</a:t>
+            </a:r>
+            <a:r>
+              <a:rPr lang="fr-FR" dirty="0"/>
+              <a:t> l’objectif est d’automatiser ce </a:t>
+            </a:r>
+            <a:r>
+              <a:rPr lang="fr-FR" dirty="0" err="1"/>
+              <a:t>declenchement</a:t>
+            </a:r>
+            <a:r>
+              <a:rPr lang="fr-FR" dirty="0"/>
+              <a:t> sur toutes les branches critiques et d’y associer un </a:t>
+            </a:r>
+            <a:r>
+              <a:rPr lang="fr-FR" dirty="0" err="1"/>
+              <a:t>reporting</a:t>
+            </a:r>
+            <a:r>
+              <a:rPr lang="fr-FR" dirty="0"/>
+              <a:t> automatique bien </a:t>
+            </a:r>
+            <a:r>
+              <a:rPr lang="fr-FR" dirty="0" err="1"/>
+              <a:t>evidemment</a:t>
+            </a:r>
+            <a:endParaRPr lang="fr-FR" dirty="0"/>
+          </a:p>
+          <a:p>
+            <a:r>
+              <a:rPr lang="fr-FR" dirty="0"/>
+              <a:t>et continuer à acculturer les équipes à l’automatisation — pas comme une contrainte, mais comme une aide au quotidien.</a:t>
+            </a:r>
+          </a:p>
+          <a:p>
+            <a:endParaRPr lang="fr-FR" dirty="0"/>
+          </a:p>
+          <a:p>
+            <a:r>
+              <a:rPr lang="fr-FR" dirty="0"/>
+              <a:t>On peut donc en conclure que, l’automatisation n’est pas un outil réservé aux testeurs : c’est un langage commun pour toute l’équipe.</a:t>
+            </a:r>
+            <a:endParaRPr dirty="0"/>
+          </a:p>
+        </p:txBody>
+      </p:sp>
+      <p:sp>
+        <p:nvSpPr>
+          <p:cNvPr id="4" name="Slide Number Placeholder 3"/>
+          <p:cNvSpPr>
+            <a:spLocks noGrp="1"/>
+          </p:cNvSpPr>
+          <p:nvPr>
+            <p:ph type="sldNum" sz="quarter" idx="5"/>
           </p:nvPr>
         </p:nvSpPr>
         <p:spPr/>
@@ -843,10 +1578,9 @@
           <a:lstStyle/>
           <a:p>
             <a:r>
-              <a:rPr lang="en-US" smtClean="0"/>
+              <a:rPr lang="en-US"/>
               <a:t>Click to edit Master title style</a:t>
             </a:r>
-            <a:endParaRPr lang="en-US"/>
           </a:p>
         </p:txBody>
       </p:sp>
@@ -962,10 +1696,9 @@
           </a:lstStyle>
           <a:p>
             <a:r>
-              <a:rPr lang="en-US" smtClean="0"/>
+              <a:rPr lang="en-US"/>
               <a:t>Click to edit Master subtitle style</a:t>
             </a:r>
-            <a:endParaRPr lang="en-US"/>
           </a:p>
         </p:txBody>
       </p:sp>
@@ -986,7 +1719,7 @@
           <a:p>
             <a:fld id="{5BCAD085-E8A6-8845-BD4E-CB4CCA059FC4}" type="datetimeFigureOut">
               <a:rPr lang="en-US" smtClean="0"/>
-              <a:t>1/27/13</a:t>
+              <a:t>10/7/2025</a:t>
             </a:fld>
             <a:endParaRPr lang="en-US"/>
           </a:p>
@@ -1028,7 +1761,7 @@
           <a:p>
             <a:fld id="{C1FF6DA9-008F-8B48-92A6-B652298478BF}" type="slidenum">
               <a:rPr lang="en-US" smtClean="0"/>
-              <a:t>‹#›</a:t>
+              <a:t>‹N°›</a:t>
             </a:fld>
             <a:endParaRPr lang="en-US"/>
           </a:p>
@@ -1080,10 +1813,9 @@
           <a:lstStyle/>
           <a:p>
             <a:r>
-              <a:rPr lang="en-US" smtClean="0"/>
+              <a:rPr lang="en-US"/>
               <a:t>Click to edit Master title style</a:t>
             </a:r>
-            <a:endParaRPr lang="en-US"/>
           </a:p>
         </p:txBody>
       </p:sp>
@@ -1104,38 +1836,37 @@
           <a:p>
             <a:pPr lvl="0"/>
             <a:r>
-              <a:rPr lang="en-US" smtClean="0"/>
+              <a:rPr lang="en-US"/>
               <a:t>Click to edit Master text styles</a:t>
             </a:r>
           </a:p>
           <a:p>
             <a:pPr lvl="1"/>
             <a:r>
-              <a:rPr lang="en-US" smtClean="0"/>
+              <a:rPr lang="en-US"/>
               <a:t>Second level</a:t>
             </a:r>
           </a:p>
           <a:p>
             <a:pPr lvl="2"/>
             <a:r>
-              <a:rPr lang="en-US" smtClean="0"/>
+              <a:rPr lang="en-US"/>
               <a:t>Third level</a:t>
             </a:r>
           </a:p>
           <a:p>
             <a:pPr lvl="3"/>
             <a:r>
-              <a:rPr lang="en-US" smtClean="0"/>
+              <a:rPr lang="en-US"/>
               <a:t>Fourth level</a:t>
             </a:r>
           </a:p>
           <a:p>
             <a:pPr lvl="4"/>
             <a:r>
-              <a:rPr lang="en-US" smtClean="0"/>
+              <a:rPr lang="en-US"/>
               <a:t>Fifth level</a:t>
             </a:r>
-            <a:endParaRPr lang="en-US"/>
           </a:p>
         </p:txBody>
       </p:sp>
@@ -1156,7 +1887,7 @@
           <a:p>
             <a:fld id="{5BCAD085-E8A6-8845-BD4E-CB4CCA059FC4}" type="datetimeFigureOut">
               <a:rPr lang="en-US" smtClean="0"/>
-              <a:t>1/27/13</a:t>
+              <a:t>10/7/2025</a:t>
             </a:fld>
             <a:endParaRPr lang="en-US"/>
           </a:p>
@@ -1198,7 +1929,7 @@
           <a:p>
             <a:fld id="{C1FF6DA9-008F-8B48-92A6-B652298478BF}" type="slidenum">
               <a:rPr lang="en-US" smtClean="0"/>
-              <a:t>‹#›</a:t>
+              <a:t>‹N°›</a:t>
             </a:fld>
             <a:endParaRPr lang="en-US"/>
           </a:p>
@@ -1255,10 +1986,9 @@
           <a:lstStyle/>
           <a:p>
             <a:r>
-              <a:rPr lang="en-US" smtClean="0"/>
+              <a:rPr lang="en-US"/>
               <a:t>Click to edit Master title style</a:t>
             </a:r>
-            <a:endParaRPr lang="en-US"/>
           </a:p>
         </p:txBody>
       </p:sp>
@@ -1284,38 +2014,37 @@
           <a:p>
             <a:pPr lvl="0"/>
             <a:r>
-              <a:rPr lang="en-US" smtClean="0"/>
+              <a:rPr lang="en-US"/>
               <a:t>Click to edit Master text styles</a:t>
             </a:r>
           </a:p>
           <a:p>
             <a:pPr lvl="1"/>
             <a:r>
-              <a:rPr lang="en-US" smtClean="0"/>
+              <a:rPr lang="en-US"/>
               <a:t>Second level</a:t>
             </a:r>
           </a:p>
           <a:p>
             <a:pPr lvl="2"/>
             <a:r>
-              <a:rPr lang="en-US" smtClean="0"/>
+              <a:rPr lang="en-US"/>
               <a:t>Third level</a:t>
             </a:r>
           </a:p>
           <a:p>
             <a:pPr lvl="3"/>
             <a:r>
-              <a:rPr lang="en-US" smtClean="0"/>
+              <a:rPr lang="en-US"/>
               <a:t>Fourth level</a:t>
             </a:r>
           </a:p>
           <a:p>
             <a:pPr lvl="4"/>
             <a:r>
-              <a:rPr lang="en-US" smtClean="0"/>
+              <a:rPr lang="en-US"/>
               <a:t>Fifth level</a:t>
             </a:r>
-            <a:endParaRPr lang="en-US"/>
           </a:p>
         </p:txBody>
       </p:sp>
@@ -1336,7 +2065,7 @@
           <a:p>
             <a:fld id="{5BCAD085-E8A6-8845-BD4E-CB4CCA059FC4}" type="datetimeFigureOut">
               <a:rPr lang="en-US" smtClean="0"/>
-              <a:t>1/27/13</a:t>
+              <a:t>10/7/2025</a:t>
             </a:fld>
             <a:endParaRPr lang="en-US"/>
           </a:p>
@@ -1378,7 +2107,7 @@
           <a:p>
             <a:fld id="{C1FF6DA9-008F-8B48-92A6-B652298478BF}" type="slidenum">
               <a:rPr lang="en-US" smtClean="0"/>
-              <a:t>‹#›</a:t>
+              <a:t>‹N°›</a:t>
             </a:fld>
             <a:endParaRPr lang="en-US"/>
           </a:p>
@@ -1430,10 +2159,9 @@
           <a:lstStyle/>
           <a:p>
             <a:r>
-              <a:rPr lang="en-US" smtClean="0"/>
+              <a:rPr lang="en-US"/>
               <a:t>Click to edit Master title style</a:t>
             </a:r>
-            <a:endParaRPr lang="en-US"/>
           </a:p>
         </p:txBody>
       </p:sp>
@@ -1454,38 +2182,37 @@
           <a:p>
             <a:pPr lvl="0"/>
             <a:r>
-              <a:rPr lang="en-US" smtClean="0"/>
+              <a:rPr lang="en-US"/>
               <a:t>Click to edit Master text styles</a:t>
             </a:r>
           </a:p>
           <a:p>
             <a:pPr lvl="1"/>
             <a:r>
-              <a:rPr lang="en-US" smtClean="0"/>
+              <a:rPr lang="en-US"/>
               <a:t>Second level</a:t>
             </a:r>
           </a:p>
           <a:p>
             <a:pPr lvl="2"/>
             <a:r>
-              <a:rPr lang="en-US" smtClean="0"/>
+              <a:rPr lang="en-US"/>
               <a:t>Third level</a:t>
             </a:r>
           </a:p>
           <a:p>
             <a:pPr lvl="3"/>
             <a:r>
-              <a:rPr lang="en-US" smtClean="0"/>
+              <a:rPr lang="en-US"/>
               <a:t>Fourth level</a:t>
             </a:r>
           </a:p>
           <a:p>
             <a:pPr lvl="4"/>
             <a:r>
-              <a:rPr lang="en-US" smtClean="0"/>
+              <a:rPr lang="en-US"/>
               <a:t>Fifth level</a:t>
             </a:r>
-            <a:endParaRPr lang="en-US"/>
           </a:p>
         </p:txBody>
       </p:sp>
@@ -1506,7 +2233,7 @@
           <a:p>
             <a:fld id="{5BCAD085-E8A6-8845-BD4E-CB4CCA059FC4}" type="datetimeFigureOut">
               <a:rPr lang="en-US" smtClean="0"/>
-              <a:t>1/27/13</a:t>
+              <a:t>10/7/2025</a:t>
             </a:fld>
             <a:endParaRPr lang="en-US"/>
           </a:p>
@@ -1548,7 +2275,7 @@
           <a:p>
             <a:fld id="{C1FF6DA9-008F-8B48-92A6-B652298478BF}" type="slidenum">
               <a:rPr lang="en-US" smtClean="0"/>
-              <a:t>‹#›</a:t>
+              <a:t>‹N°›</a:t>
             </a:fld>
             <a:endParaRPr lang="en-US"/>
           </a:p>
@@ -1609,10 +2336,9 @@
           </a:lstStyle>
           <a:p>
             <a:r>
-              <a:rPr lang="en-US" smtClean="0"/>
+              <a:rPr lang="en-US"/>
               <a:t>Click to edit Master title style</a:t>
             </a:r>
-            <a:endParaRPr lang="en-US"/>
           </a:p>
         </p:txBody>
       </p:sp>
@@ -1729,7 +2455,7 @@
           <a:p>
             <a:pPr lvl="0"/>
             <a:r>
-              <a:rPr lang="en-US" smtClean="0"/>
+              <a:rPr lang="en-US"/>
               <a:t>Click to edit Master text styles</a:t>
             </a:r>
           </a:p>
@@ -1752,7 +2478,7 @@
           <a:p>
             <a:fld id="{5BCAD085-E8A6-8845-BD4E-CB4CCA059FC4}" type="datetimeFigureOut">
               <a:rPr lang="en-US" smtClean="0"/>
-              <a:t>1/27/13</a:t>
+              <a:t>10/7/2025</a:t>
             </a:fld>
             <a:endParaRPr lang="en-US"/>
           </a:p>
@@ -1794,7 +2520,7 @@
           <a:p>
             <a:fld id="{C1FF6DA9-008F-8B48-92A6-B652298478BF}" type="slidenum">
               <a:rPr lang="en-US" smtClean="0"/>
-              <a:t>‹#›</a:t>
+              <a:t>‹N°›</a:t>
             </a:fld>
             <a:endParaRPr lang="en-US"/>
           </a:p>
@@ -1846,10 +2572,9 @@
           <a:lstStyle/>
           <a:p>
             <a:r>
-              <a:rPr lang="en-US" smtClean="0"/>
+              <a:rPr lang="en-US"/>
               <a:t>Click to edit Master title style</a:t>
             </a:r>
-            <a:endParaRPr lang="en-US"/>
           </a:p>
         </p:txBody>
       </p:sp>
@@ -1903,38 +2628,37 @@
           <a:p>
             <a:pPr lvl="0"/>
             <a:r>
-              <a:rPr lang="en-US" smtClean="0"/>
+              <a:rPr lang="en-US"/>
               <a:t>Click to edit Master text styles</a:t>
             </a:r>
           </a:p>
           <a:p>
             <a:pPr lvl="1"/>
             <a:r>
-              <a:rPr lang="en-US" smtClean="0"/>
+              <a:rPr lang="en-US"/>
               <a:t>Second level</a:t>
             </a:r>
           </a:p>
           <a:p>
             <a:pPr lvl="2"/>
             <a:r>
-              <a:rPr lang="en-US" smtClean="0"/>
+              <a:rPr lang="en-US"/>
               <a:t>Third level</a:t>
             </a:r>
           </a:p>
           <a:p>
             <a:pPr lvl="3"/>
             <a:r>
-              <a:rPr lang="en-US" smtClean="0"/>
+              <a:rPr lang="en-US"/>
               <a:t>Fourth level</a:t>
             </a:r>
           </a:p>
           <a:p>
             <a:pPr lvl="4"/>
             <a:r>
-              <a:rPr lang="en-US" smtClean="0"/>
+              <a:rPr lang="en-US"/>
               <a:t>Fifth level</a:t>
             </a:r>
-            <a:endParaRPr lang="en-US"/>
           </a:p>
         </p:txBody>
       </p:sp>
@@ -1988,38 +2712,37 @@
           <a:p>
             <a:pPr lvl="0"/>
             <a:r>
-              <a:rPr lang="en-US" smtClean="0"/>
+              <a:rPr lang="en-US"/>
               <a:t>Click to edit Master text styles</a:t>
             </a:r>
           </a:p>
           <a:p>
             <a:pPr lvl="1"/>
             <a:r>
-              <a:rPr lang="en-US" smtClean="0"/>
+              <a:rPr lang="en-US"/>
               <a:t>Second level</a:t>
             </a:r>
           </a:p>
           <a:p>
             <a:pPr lvl="2"/>
             <a:r>
-              <a:rPr lang="en-US" smtClean="0"/>
+              <a:rPr lang="en-US"/>
               <a:t>Third level</a:t>
             </a:r>
           </a:p>
           <a:p>
             <a:pPr lvl="3"/>
             <a:r>
-              <a:rPr lang="en-US" smtClean="0"/>
+              <a:rPr lang="en-US"/>
               <a:t>Fourth level</a:t>
             </a:r>
           </a:p>
           <a:p>
             <a:pPr lvl="4"/>
             <a:r>
-              <a:rPr lang="en-US" smtClean="0"/>
+              <a:rPr lang="en-US"/>
               <a:t>Fifth level</a:t>
             </a:r>
-            <a:endParaRPr lang="en-US"/>
           </a:p>
         </p:txBody>
       </p:sp>
@@ -2040,7 +2763,7 @@
           <a:p>
             <a:fld id="{5BCAD085-E8A6-8845-BD4E-CB4CCA059FC4}" type="datetimeFigureOut">
               <a:rPr lang="en-US" smtClean="0"/>
-              <a:t>1/27/13</a:t>
+              <a:t>10/7/2025</a:t>
             </a:fld>
             <a:endParaRPr lang="en-US"/>
           </a:p>
@@ -2082,7 +2805,7 @@
           <a:p>
             <a:fld id="{C1FF6DA9-008F-8B48-92A6-B652298478BF}" type="slidenum">
               <a:rPr lang="en-US" smtClean="0"/>
-              <a:t>‹#›</a:t>
+              <a:t>‹N°›</a:t>
             </a:fld>
             <a:endParaRPr lang="en-US"/>
           </a:p>
@@ -2138,10 +2861,9 @@
           </a:lstStyle>
           <a:p>
             <a:r>
-              <a:rPr lang="en-US" smtClean="0"/>
+              <a:rPr lang="en-US"/>
               <a:t>Click to edit Master title style</a:t>
             </a:r>
-            <a:endParaRPr lang="en-US"/>
           </a:p>
         </p:txBody>
       </p:sp>
@@ -2204,7 +2926,7 @@
           <a:p>
             <a:pPr lvl="0"/>
             <a:r>
-              <a:rPr lang="en-US" smtClean="0"/>
+              <a:rPr lang="en-US"/>
               <a:t>Click to edit Master text styles</a:t>
             </a:r>
           </a:p>
@@ -2260,38 +2982,37 @@
           <a:p>
             <a:pPr lvl="0"/>
             <a:r>
-              <a:rPr lang="en-US" smtClean="0"/>
+              <a:rPr lang="en-US"/>
               <a:t>Click to edit Master text styles</a:t>
             </a:r>
           </a:p>
           <a:p>
             <a:pPr lvl="1"/>
             <a:r>
-              <a:rPr lang="en-US" smtClean="0"/>
+              <a:rPr lang="en-US"/>
               <a:t>Second level</a:t>
             </a:r>
           </a:p>
           <a:p>
             <a:pPr lvl="2"/>
             <a:r>
-              <a:rPr lang="en-US" smtClean="0"/>
+              <a:rPr lang="en-US"/>
               <a:t>Third level</a:t>
             </a:r>
           </a:p>
           <a:p>
             <a:pPr lvl="3"/>
             <a:r>
-              <a:rPr lang="en-US" smtClean="0"/>
+              <a:rPr lang="en-US"/>
               <a:t>Fourth level</a:t>
             </a:r>
           </a:p>
           <a:p>
             <a:pPr lvl="4"/>
             <a:r>
-              <a:rPr lang="en-US" smtClean="0"/>
+              <a:rPr lang="en-US"/>
               <a:t>Fifth level</a:t>
             </a:r>
-            <a:endParaRPr lang="en-US"/>
           </a:p>
         </p:txBody>
       </p:sp>
@@ -2354,7 +3075,7 @@
           <a:p>
             <a:pPr lvl="0"/>
             <a:r>
-              <a:rPr lang="en-US" smtClean="0"/>
+              <a:rPr lang="en-US"/>
               <a:t>Click to edit Master text styles</a:t>
             </a:r>
           </a:p>
@@ -2410,38 +3131,37 @@
           <a:p>
             <a:pPr lvl="0"/>
             <a:r>
-              <a:rPr lang="en-US" smtClean="0"/>
+              <a:rPr lang="en-US"/>
               <a:t>Click to edit Master text styles</a:t>
             </a:r>
           </a:p>
           <a:p>
             <a:pPr lvl="1"/>
             <a:r>
-              <a:rPr lang="en-US" smtClean="0"/>
+              <a:rPr lang="en-US"/>
               <a:t>Second level</a:t>
             </a:r>
           </a:p>
           <a:p>
             <a:pPr lvl="2"/>
             <a:r>
-              <a:rPr lang="en-US" smtClean="0"/>
+              <a:rPr lang="en-US"/>
               <a:t>Third level</a:t>
             </a:r>
           </a:p>
           <a:p>
             <a:pPr lvl="3"/>
             <a:r>
-              <a:rPr lang="en-US" smtClean="0"/>
+              <a:rPr lang="en-US"/>
               <a:t>Fourth level</a:t>
             </a:r>
           </a:p>
           <a:p>
             <a:pPr lvl="4"/>
             <a:r>
-              <a:rPr lang="en-US" smtClean="0"/>
+              <a:rPr lang="en-US"/>
               <a:t>Fifth level</a:t>
             </a:r>
-            <a:endParaRPr lang="en-US"/>
           </a:p>
         </p:txBody>
       </p:sp>
@@ -2462,7 +3182,7 @@
           <a:p>
             <a:fld id="{5BCAD085-E8A6-8845-BD4E-CB4CCA059FC4}" type="datetimeFigureOut">
               <a:rPr lang="en-US" smtClean="0"/>
-              <a:t>1/27/13</a:t>
+              <a:t>10/7/2025</a:t>
             </a:fld>
             <a:endParaRPr lang="en-US"/>
           </a:p>
@@ -2504,7 +3224,7 @@
           <a:p>
             <a:fld id="{C1FF6DA9-008F-8B48-92A6-B652298478BF}" type="slidenum">
               <a:rPr lang="en-US" smtClean="0"/>
-              <a:t>‹#›</a:t>
+              <a:t>‹N°›</a:t>
             </a:fld>
             <a:endParaRPr lang="en-US"/>
           </a:p>
@@ -2556,10 +3276,9 @@
           <a:lstStyle/>
           <a:p>
             <a:r>
-              <a:rPr lang="en-US" smtClean="0"/>
+              <a:rPr lang="en-US"/>
               <a:t>Click to edit Master title style</a:t>
             </a:r>
-            <a:endParaRPr lang="en-US"/>
           </a:p>
         </p:txBody>
       </p:sp>
@@ -2580,7 +3299,7 @@
           <a:p>
             <a:fld id="{5BCAD085-E8A6-8845-BD4E-CB4CCA059FC4}" type="datetimeFigureOut">
               <a:rPr lang="en-US" smtClean="0"/>
-              <a:t>1/27/13</a:t>
+              <a:t>10/7/2025</a:t>
             </a:fld>
             <a:endParaRPr lang="en-US"/>
           </a:p>
@@ -2622,7 +3341,7 @@
           <a:p>
             <a:fld id="{C1FF6DA9-008F-8B48-92A6-B652298478BF}" type="slidenum">
               <a:rPr lang="en-US" smtClean="0"/>
-              <a:t>‹#›</a:t>
+              <a:t>‹N°›</a:t>
             </a:fld>
             <a:endParaRPr lang="en-US"/>
           </a:p>
@@ -2675,7 +3394,7 @@
           <a:p>
             <a:fld id="{5BCAD085-E8A6-8845-BD4E-CB4CCA059FC4}" type="datetimeFigureOut">
               <a:rPr lang="en-US" smtClean="0"/>
-              <a:t>1/27/13</a:t>
+              <a:t>10/7/2025</a:t>
             </a:fld>
             <a:endParaRPr lang="en-US"/>
           </a:p>
@@ -2717,7 +3436,7 @@
           <a:p>
             <a:fld id="{C1FF6DA9-008F-8B48-92A6-B652298478BF}" type="slidenum">
               <a:rPr lang="en-US" smtClean="0"/>
-              <a:t>‹#›</a:t>
+              <a:t>‹N°›</a:t>
             </a:fld>
             <a:endParaRPr lang="en-US"/>
           </a:p>
@@ -2778,10 +3497,9 @@
           </a:lstStyle>
           <a:p>
             <a:r>
-              <a:rPr lang="en-US" smtClean="0"/>
+              <a:rPr lang="en-US"/>
               <a:t>Click to edit Master title style</a:t>
             </a:r>
-            <a:endParaRPr lang="en-US"/>
           </a:p>
         </p:txBody>
       </p:sp>
@@ -2835,38 +3553,37 @@
           <a:p>
             <a:pPr lvl="0"/>
             <a:r>
-              <a:rPr lang="en-US" smtClean="0"/>
+              <a:rPr lang="en-US"/>
               <a:t>Click to edit Master text styles</a:t>
             </a:r>
           </a:p>
           <a:p>
             <a:pPr lvl="1"/>
             <a:r>
-              <a:rPr lang="en-US" smtClean="0"/>
+              <a:rPr lang="en-US"/>
               <a:t>Second level</a:t>
             </a:r>
           </a:p>
           <a:p>
             <a:pPr lvl="2"/>
             <a:r>
-              <a:rPr lang="en-US" smtClean="0"/>
+              <a:rPr lang="en-US"/>
               <a:t>Third level</a:t>
             </a:r>
           </a:p>
           <a:p>
             <a:pPr lvl="3"/>
             <a:r>
-              <a:rPr lang="en-US" smtClean="0"/>
+              <a:rPr lang="en-US"/>
               <a:t>Fourth level</a:t>
             </a:r>
           </a:p>
           <a:p>
             <a:pPr lvl="4"/>
             <a:r>
-              <a:rPr lang="en-US" smtClean="0"/>
+              <a:rPr lang="en-US"/>
               <a:t>Fifth level</a:t>
             </a:r>
-            <a:endParaRPr lang="en-US"/>
           </a:p>
         </p:txBody>
       </p:sp>
@@ -2929,7 +3646,7 @@
           <a:p>
             <a:pPr lvl="0"/>
             <a:r>
-              <a:rPr lang="en-US" smtClean="0"/>
+              <a:rPr lang="en-US"/>
               <a:t>Click to edit Master text styles</a:t>
             </a:r>
           </a:p>
@@ -2952,7 +3669,7 @@
           <a:p>
             <a:fld id="{5BCAD085-E8A6-8845-BD4E-CB4CCA059FC4}" type="datetimeFigureOut">
               <a:rPr lang="en-US" smtClean="0"/>
-              <a:t>1/27/13</a:t>
+              <a:t>10/7/2025</a:t>
             </a:fld>
             <a:endParaRPr lang="en-US"/>
           </a:p>
@@ -2994,7 +3711,7 @@
           <a:p>
             <a:fld id="{C1FF6DA9-008F-8B48-92A6-B652298478BF}" type="slidenum">
               <a:rPr lang="en-US" smtClean="0"/>
-              <a:t>‹#›</a:t>
+              <a:t>‹N°›</a:t>
             </a:fld>
             <a:endParaRPr lang="en-US"/>
           </a:p>
@@ -3055,10 +3772,9 @@
           </a:lstStyle>
           <a:p>
             <a:r>
-              <a:rPr lang="en-US" smtClean="0"/>
+              <a:rPr lang="en-US"/>
               <a:t>Click to edit Master title style</a:t>
             </a:r>
-            <a:endParaRPr lang="en-US"/>
           </a:p>
         </p:txBody>
       </p:sp>
@@ -3182,7 +3898,7 @@
           <a:p>
             <a:pPr lvl="0"/>
             <a:r>
-              <a:rPr lang="en-US" smtClean="0"/>
+              <a:rPr lang="en-US"/>
               <a:t>Click to edit Master text styles</a:t>
             </a:r>
           </a:p>
@@ -3205,7 +3921,7 @@
           <a:p>
             <a:fld id="{5BCAD085-E8A6-8845-BD4E-CB4CCA059FC4}" type="datetimeFigureOut">
               <a:rPr lang="en-US" smtClean="0"/>
-              <a:t>1/27/13</a:t>
+              <a:t>10/7/2025</a:t>
             </a:fld>
             <a:endParaRPr lang="en-US"/>
           </a:p>
@@ -3247,7 +3963,7 @@
           <a:p>
             <a:fld id="{C1FF6DA9-008F-8B48-92A6-B652298478BF}" type="slidenum">
               <a:rPr lang="en-US" smtClean="0"/>
-              <a:t>‹#›</a:t>
+              <a:t>‹N°›</a:t>
             </a:fld>
             <a:endParaRPr lang="en-US"/>
           </a:p>
@@ -3314,10 +4030,9 @@
           <a:lstStyle/>
           <a:p>
             <a:r>
-              <a:rPr lang="en-US" smtClean="0"/>
+              <a:rPr lang="en-US"/>
               <a:t>Click to edit Master title style</a:t>
             </a:r>
-            <a:endParaRPr lang="en-US"/>
           </a:p>
         </p:txBody>
       </p:sp>
@@ -3348,38 +4063,37 @@
           <a:p>
             <a:pPr lvl="0"/>
             <a:r>
-              <a:rPr lang="en-US" smtClean="0"/>
+              <a:rPr lang="en-US"/>
               <a:t>Click to edit Master text styles</a:t>
             </a:r>
           </a:p>
           <a:p>
             <a:pPr lvl="1"/>
             <a:r>
-              <a:rPr lang="en-US" smtClean="0"/>
+              <a:rPr lang="en-US"/>
               <a:t>Second level</a:t>
             </a:r>
           </a:p>
           <a:p>
             <a:pPr lvl="2"/>
             <a:r>
-              <a:rPr lang="en-US" smtClean="0"/>
+              <a:rPr lang="en-US"/>
               <a:t>Third level</a:t>
             </a:r>
           </a:p>
           <a:p>
             <a:pPr lvl="3"/>
             <a:r>
-              <a:rPr lang="en-US" smtClean="0"/>
+              <a:rPr lang="en-US"/>
               <a:t>Fourth level</a:t>
             </a:r>
           </a:p>
           <a:p>
             <a:pPr lvl="4"/>
             <a:r>
-              <a:rPr lang="en-US" smtClean="0"/>
+              <a:rPr lang="en-US"/>
               <a:t>Fifth level</a:t>
             </a:r>
-            <a:endParaRPr lang="en-US"/>
           </a:p>
         </p:txBody>
       </p:sp>
@@ -3418,7 +4132,7 @@
           <a:p>
             <a:fld id="{5BCAD085-E8A6-8845-BD4E-CB4CCA059FC4}" type="datetimeFigureOut">
               <a:rPr lang="en-US" smtClean="0"/>
-              <a:t>1/27/13</a:t>
+              <a:t>10/7/2025</a:t>
             </a:fld>
             <a:endParaRPr lang="en-US"/>
           </a:p>
@@ -3496,7 +4210,7 @@
           <a:p>
             <a:fld id="{C1FF6DA9-008F-8B48-92A6-B652298478BF}" type="slidenum">
               <a:rPr lang="en-US" smtClean="0"/>
-              <a:t>‹#›</a:t>
+              <a:t>‹N°›</a:t>
             </a:fld>
             <a:endParaRPr lang="en-US"/>
           </a:p>
@@ -3777,7 +4491,7 @@
 </file>
 
 <file path=ppt/slides/slide1.xml><?xml version="1.0" encoding="utf-8"?>
-<p:sld xmlns:a="http://schemas.openxmlformats.org/drawingml/2006/main" xmlns:p="http://schemas.openxmlformats.org/presentationml/2006/main" xmlns:r="http://schemas.openxmlformats.org/officeDocument/2006/relationships">
+<p:sld xmlns:a="http://schemas.openxmlformats.org/drawingml/2006/main" xmlns:r="http://schemas.openxmlformats.org/officeDocument/2006/relationships" xmlns:p="http://schemas.openxmlformats.org/presentationml/2006/main">
   <p:cSld>
     <p:spTree>
       <p:nvGrpSpPr>
@@ -3785,7 +4499,14 @@
         <p:cNvGrpSpPr/>
         <p:nvPr/>
       </p:nvGrpSpPr>
-      <p:grpSpPr/>
+      <p:grpSpPr>
+        <a:xfrm>
+          <a:off x="0" y="0"/>
+          <a:ext cx="0" cy="0"/>
+          <a:chOff x="0" y="0"/>
+          <a:chExt cx="0" cy="0"/>
+        </a:xfrm>
+      </p:grpSpPr>
       <p:sp>
         <p:nvSpPr>
           <p:cNvPr id="2" name="Title 1"/>
@@ -3794,6 +4515,49 @@
           </p:cNvSpPr>
           <p:nvPr>
             <p:ph type="title"/>
+          </p:nvPr>
+        </p:nvSpPr>
+        <p:spPr/>
+        <p:txBody>
+          <a:bodyPr>
+            <a:normAutofit fontScale="90000"/>
+          </a:bodyPr>
+          <a:lstStyle/>
+          <a:p>
+            <a:pPr>
+              <a:defRPr sz="3600" b="1">
+                <a:solidFill>
+                  <a:srgbClr val="003366"/>
+                </a:solidFill>
+              </a:defRPr>
+            </a:pPr>
+            <a:r>
+              <a:rPr dirty="0" err="1"/>
+              <a:t>Automatisation</a:t>
+            </a:r>
+            <a:r>
+              <a:rPr dirty="0"/>
+              <a:t> des tests API – Squads O</a:t>
+            </a:r>
+            <a:r>
+              <a:rPr lang="fr-FR" dirty="0"/>
+              <a:t>F</a:t>
+            </a:r>
+            <a:r>
+              <a:rPr dirty="0"/>
+              <a:t>D &amp; PAY</a:t>
+            </a:r>
+          </a:p>
+        </p:txBody>
+      </p:sp>
+      <p:sp>
+        <p:nvSpPr>
+          <p:cNvPr id="3" name="Content Placeholder 2"/>
+          <p:cNvSpPr>
+            <a:spLocks noGrp="1"/>
+          </p:cNvSpPr>
+          <p:nvPr>
+            <p:ph idx="1"/>
           </p:nvPr>
         </p:nvSpPr>
         <p:spPr/>
@@ -3802,32 +4566,33 @@
           <a:lstStyle/>
           <a:p>
             <a:pPr>
-              <a:defRPr b="1" sz="3600">
-                <a:solidFill>
-                  <a:srgbClr val="003366"/>
+              <a:defRPr sz="2000">
+                <a:solidFill>
+                  <a:srgbClr val="1E1E1E"/>
                 </a:solidFill>
               </a:defRPr>
             </a:pPr>
             <a:r>
-              <a:t>Automatisation des tests API – Squads OSD &amp; PAY</a:t>
-            </a:r>
-          </a:p>
-        </p:txBody>
-      </p:sp>
-      <p:sp>
-        <p:nvSpPr>
-          <p:cNvPr id="3" name="Content Placeholder 2"/>
-          <p:cNvSpPr>
-            <a:spLocks noGrp="1"/>
-          </p:cNvSpPr>
-          <p:nvPr>
-            <p:ph idx="1"/>
-          </p:nvPr>
-        </p:nvSpPr>
-        <p:spPr/>
-        <p:txBody>
-          <a:bodyPr/>
-          <a:lstStyle/>
+              <a:rPr dirty="0" err="1"/>
+              <a:t>Contexte</a:t>
+            </a:r>
+            <a:r>
+              <a:rPr dirty="0"/>
+              <a:t> :</a:t>
+            </a:r>
+            <a:r>
+              <a:rPr lang="fr-FR" dirty="0"/>
+              <a:t> Automatisation des tests pour SNI, immersions </a:t>
+            </a:r>
+            <a:r>
+              <a:rPr lang="fr-FR" dirty="0" err="1"/>
+              <a:t>squads</a:t>
+            </a:r>
+            <a:r>
+              <a:rPr lang="fr-FR" dirty="0"/>
+              <a:t> CRE, GIP</a:t>
+            </a:r>
+          </a:p>
           <a:p>
             <a:pPr>
               <a:defRPr sz="2000">
@@ -3836,9 +4601,7 @@
                 </a:solidFill>
               </a:defRPr>
             </a:pPr>
-            <a:r>
-              <a:t>Contexte :</a:t>
-            </a:r>
+            <a:endParaRPr lang="fr-FR" dirty="0"/>
           </a:p>
           <a:p>
             <a:pPr>
@@ -3849,8 +4612,20 @@
               </a:defRPr>
             </a:pPr>
             <a:r>
-              <a:t>- Domaine SNI / projets EPI-WERO (paiements P2P)</a:t>
-            </a:r>
+              <a:rPr lang="fr-FR" dirty="0"/>
+              <a:t>Projets : OFD ( 1ere immersion) et EPI-WERO (paiements p2p) ( immersion actuelle)</a:t>
+            </a:r>
+          </a:p>
+          <a:p>
+            <a:pPr marL="0" indent="0">
+              <a:buNone/>
+              <a:defRPr sz="2000">
+                <a:solidFill>
+                  <a:srgbClr val="1E1E1E"/>
+                </a:solidFill>
+              </a:defRPr>
+            </a:pPr>
+            <a:endParaRPr dirty="0"/>
           </a:p>
           <a:p>
             <a:pPr>
@@ -3861,8 +4636,22 @@
               </a:defRPr>
             </a:pPr>
             <a:r>
-              <a:t>- Squads OSD (1ʳᵉ immersion) et PAY (immersion actuelle)</a:t>
-            </a:r>
+              <a:rPr dirty="0"/>
+              <a:t> Objectif : industrialiser les tests API et </a:t>
+            </a:r>
+            <a:r>
+              <a:rPr dirty="0" err="1"/>
+              <a:t>fiabiliser</a:t>
+            </a:r>
+            <a:r>
+              <a:rPr dirty="0"/>
+              <a:t> les flux </a:t>
+            </a:r>
+            <a:r>
+              <a:rPr dirty="0" err="1"/>
+              <a:t>sensibles</a:t>
+            </a:r>
+            <a:endParaRPr lang="fr-FR" dirty="0"/>
           </a:p>
           <a:p>
             <a:pPr>
@@ -3872,9 +4661,7 @@
                 </a:solidFill>
               </a:defRPr>
             </a:pPr>
-            <a:r>
-              <a:t>- Objectif : industrialiser les tests API et fiabiliser les flux sensibles</a:t>
-            </a:r>
+            <a:endParaRPr dirty="0"/>
           </a:p>
           <a:p>
             <a:pPr>
@@ -3885,8 +4672,89 @@
               </a:defRPr>
             </a:pPr>
             <a:r>
-              <a:t>- Environnements : Postman, Newman, Mockoon, Jenkins, Bruno</a:t>
-            </a:r>
+              <a:rPr dirty="0"/>
+              <a:t> </a:t>
+            </a:r>
+            <a:r>
+              <a:rPr dirty="0" err="1"/>
+              <a:t>Environnements</a:t>
+            </a:r>
+            <a:r>
+              <a:rPr dirty="0"/>
+              <a:t> : Postman, Newman, </a:t>
+            </a:r>
+            <a:r>
+              <a:rPr dirty="0" err="1"/>
+              <a:t>Mockoon</a:t>
+            </a:r>
+            <a:r>
+              <a:rPr dirty="0"/>
+              <a:t>, </a:t>
+            </a:r>
+            <a:r>
+              <a:rPr lang="fr-FR" dirty="0" err="1"/>
+              <a:t>Gitlab</a:t>
+            </a:r>
+            <a:r>
+              <a:rPr lang="fr-FR" dirty="0"/>
+              <a:t> CI</a:t>
+            </a:r>
+            <a:r>
+              <a:rPr dirty="0"/>
+              <a:t>, Bruno</a:t>
+            </a:r>
+            <a:r>
+              <a:rPr lang="fr-FR" dirty="0"/>
+              <a:t>, Bruno cli</a:t>
+            </a:r>
+          </a:p>
+          <a:p>
+            <a:pPr>
+              <a:defRPr sz="2000">
+                <a:solidFill>
+                  <a:srgbClr val="1E1E1E"/>
+                </a:solidFill>
+              </a:defRPr>
+            </a:pPr>
+            <a:endParaRPr lang="fr-FR" dirty="0"/>
+          </a:p>
+          <a:p>
+            <a:pPr>
+              <a:defRPr sz="2000">
+                <a:solidFill>
+                  <a:srgbClr val="1E1E1E"/>
+                </a:solidFill>
+              </a:defRPr>
+            </a:pPr>
+            <a:r>
+              <a:rPr lang="fr-FR" dirty="0"/>
+              <a:t>Schéma visuel ??? Peut être 2 bulles ( pour </a:t>
+            </a:r>
+            <a:r>
+              <a:rPr lang="fr-FR" dirty="0" err="1"/>
+              <a:t>ofd</a:t>
+            </a:r>
+            <a:r>
+              <a:rPr lang="fr-FR" dirty="0"/>
+              <a:t> et </a:t>
+            </a:r>
+            <a:r>
+              <a:rPr lang="fr-FR" dirty="0" err="1"/>
+              <a:t>pay</a:t>
+            </a:r>
+            <a:r>
+              <a:rPr lang="fr-FR" dirty="0"/>
+              <a:t> et l’</a:t>
+            </a:r>
+            <a:r>
+              <a:rPr lang="fr-FR" dirty="0" err="1"/>
+              <a:t>aaproche</a:t>
+            </a:r>
+            <a:r>
+              <a:rPr lang="fr-FR" dirty="0"/>
+              <a:t> de chacune )</a:t>
+            </a:r>
+            <a:endParaRPr dirty="0"/>
           </a:p>
         </p:txBody>
       </p:sp>
@@ -3899,7 +4767,7 @@
 </file>
 
 <file path=ppt/slides/slide2.xml><?xml version="1.0" encoding="utf-8"?>
-<p:sld xmlns:a="http://schemas.openxmlformats.org/drawingml/2006/main" xmlns:p="http://schemas.openxmlformats.org/presentationml/2006/main" xmlns:r="http://schemas.openxmlformats.org/officeDocument/2006/relationships">
+<p:sld xmlns:a="http://schemas.openxmlformats.org/drawingml/2006/main" xmlns:r="http://schemas.openxmlformats.org/officeDocument/2006/relationships" xmlns:p="http://schemas.openxmlformats.org/presentationml/2006/main">
   <p:cSld>
     <p:spTree>
       <p:nvGrpSpPr>
@@ -3907,7 +4775,14 @@
         <p:cNvGrpSpPr/>
         <p:nvPr/>
       </p:nvGrpSpPr>
-      <p:grpSpPr/>
+      <p:grpSpPr>
+        <a:xfrm>
+          <a:off x="0" y="0"/>
+          <a:ext cx="0" cy="0"/>
+          <a:chOff x="0" y="0"/>
+          <a:chExt cx="0" cy="0"/>
+        </a:xfrm>
+      </p:grpSpPr>
       <p:sp>
         <p:nvSpPr>
           <p:cNvPr id="2" name="Title 1"/>
@@ -3924,7 +4799,7 @@
           <a:lstStyle/>
           <a:p>
             <a:pPr>
-              <a:defRPr b="1" sz="3600">
+              <a:defRPr sz="3600" b="1">
                 <a:solidFill>
                   <a:srgbClr val="003366"/>
                 </a:solidFill>
@@ -3951,7 +4826,8 @@
           <a:bodyPr/>
           <a:lstStyle/>
           <a:p>
-            <a:pPr>
+            <a:pPr marL="0" indent="0">
+              <a:buNone/>
               <a:defRPr sz="2000">
                 <a:solidFill>
                   <a:srgbClr val="1E1E1E"/>
@@ -3959,23 +4835,33 @@
               </a:defRPr>
             </a:pPr>
             <a:r>
-              <a:t>- Sécuriser les flux critiques</a:t>
-            </a:r>
-          </a:p>
-          <a:p>
-            <a:pPr>
+              <a:rPr dirty="0"/>
+              <a:t>- </a:t>
+            </a:r>
+            <a:r>
+              <a:rPr dirty="0" err="1"/>
+              <a:t>Sécuriser</a:t>
+            </a:r>
+            <a:r>
+              <a:rPr dirty="0"/>
+              <a:t> les flux critiques</a:t>
+            </a:r>
+            <a:endParaRPr lang="fr-FR" dirty="0"/>
+          </a:p>
+          <a:p>
+            <a:pPr marL="0" indent="0">
+              <a:buNone/>
               <a:defRPr sz="2000">
                 <a:solidFill>
                   <a:srgbClr val="1E1E1E"/>
                 </a:solidFill>
               </a:defRPr>
             </a:pPr>
-            <a:r>
-              <a:t>- Réduire le temps de recette et les erreurs humaines</a:t>
-            </a:r>
-          </a:p>
-          <a:p>
-            <a:pPr>
+            <a:endParaRPr dirty="0"/>
+          </a:p>
+          <a:p>
+            <a:pPr marL="0" indent="0">
+              <a:buNone/>
               <a:defRPr sz="2000">
                 <a:solidFill>
                   <a:srgbClr val="1E1E1E"/>
@@ -3983,23 +4869,53 @@
               </a:defRPr>
             </a:pPr>
             <a:r>
-              <a:t>- Partager des collections Postman vivantes</a:t>
-            </a:r>
-          </a:p>
-          <a:p>
-            <a:pPr>
+              <a:rPr dirty="0"/>
+              <a:t>- </a:t>
+            </a:r>
+            <a:r>
+              <a:rPr dirty="0" err="1"/>
+              <a:t>Réduire</a:t>
+            </a:r>
+            <a:r>
+              <a:rPr dirty="0"/>
+              <a:t> le temps de </a:t>
+            </a:r>
+            <a:r>
+              <a:rPr dirty="0" err="1"/>
+              <a:t>recette</a:t>
+            </a:r>
+            <a:r>
+              <a:rPr dirty="0"/>
+              <a:t> et les </a:t>
+            </a:r>
+            <a:r>
+              <a:rPr dirty="0" err="1"/>
+              <a:t>erreurs</a:t>
+            </a:r>
+            <a:r>
+              <a:rPr dirty="0"/>
+              <a:t> </a:t>
+            </a:r>
+            <a:r>
+              <a:rPr dirty="0" err="1"/>
+              <a:t>humaines</a:t>
+            </a:r>
+            <a:endParaRPr lang="fr-FR" dirty="0"/>
+          </a:p>
+          <a:p>
+            <a:pPr marL="0" indent="0">
+              <a:buNone/>
               <a:defRPr sz="2000">
                 <a:solidFill>
                   <a:srgbClr val="1E1E1E"/>
                 </a:solidFill>
               </a:defRPr>
             </a:pPr>
-            <a:r>
-              <a:t>- Favoriser la réutilisation et la documentation dynamique</a:t>
-            </a:r>
-          </a:p>
-          <a:p>
-            <a:pPr>
+            <a:endParaRPr dirty="0"/>
+          </a:p>
+          <a:p>
+            <a:pPr marL="0" indent="0">
+              <a:buNone/>
               <a:defRPr sz="2000">
                 <a:solidFill>
                   <a:srgbClr val="1E1E1E"/>
@@ -4007,8 +4923,109 @@
               </a:defRPr>
             </a:pPr>
             <a:r>
-              <a:t>- Produire des rapports HTML lisibles par tous</a:t>
-            </a:r>
+              <a:rPr dirty="0"/>
+              <a:t>- </a:t>
+            </a:r>
+            <a:r>
+              <a:rPr dirty="0" err="1"/>
+              <a:t>Favoriser</a:t>
+            </a:r>
+            <a:r>
+              <a:rPr dirty="0"/>
+              <a:t> la </a:t>
+            </a:r>
+            <a:r>
+              <a:rPr dirty="0" err="1"/>
+              <a:t>réutilisation</a:t>
+            </a:r>
+            <a:r>
+              <a:rPr dirty="0"/>
+              <a:t> et la documentation </a:t>
+            </a:r>
+            <a:r>
+              <a:rPr dirty="0" err="1"/>
+              <a:t>dynamique</a:t>
+            </a:r>
+            <a:endParaRPr lang="fr-FR" dirty="0"/>
+          </a:p>
+          <a:p>
+            <a:pPr marL="0" indent="0">
+              <a:buNone/>
+              <a:defRPr sz="2000">
+                <a:solidFill>
+                  <a:srgbClr val="1E1E1E"/>
+                </a:solidFill>
+              </a:defRPr>
+            </a:pPr>
+            <a:endParaRPr lang="fr-FR" dirty="0"/>
+          </a:p>
+          <a:p>
+            <a:pPr marL="0" indent="0">
+              <a:buNone/>
+              <a:defRPr sz="2000">
+                <a:solidFill>
+                  <a:srgbClr val="1E1E1E"/>
+                </a:solidFill>
+              </a:defRPr>
+            </a:pPr>
+            <a:r>
+              <a:rPr lang="fr-FR" dirty="0"/>
+              <a:t>-Permettre aux équipes non techniques de lire et exécuter les scénarios</a:t>
+            </a:r>
+          </a:p>
+          <a:p>
+            <a:pPr marL="0" indent="0">
+              <a:buNone/>
+              <a:defRPr sz="2000">
+                <a:solidFill>
+                  <a:srgbClr val="1E1E1E"/>
+                </a:solidFill>
+              </a:defRPr>
+            </a:pPr>
+            <a:endParaRPr dirty="0"/>
+          </a:p>
+          <a:p>
+            <a:pPr marL="0" indent="0">
+              <a:buNone/>
+              <a:defRPr sz="2000">
+                <a:solidFill>
+                  <a:srgbClr val="1E1E1E"/>
+                </a:solidFill>
+              </a:defRPr>
+            </a:pPr>
+            <a:r>
+              <a:rPr dirty="0"/>
+              <a:t>- </a:t>
+            </a:r>
+            <a:r>
+              <a:rPr dirty="0" err="1"/>
+              <a:t>Produire</a:t>
+            </a:r>
+            <a:r>
+              <a:rPr dirty="0"/>
+              <a:t> des rapports</a:t>
+            </a:r>
+            <a:r>
+              <a:rPr lang="fr-FR" dirty="0"/>
+              <a:t> visuels</a:t>
+            </a:r>
+            <a:r>
+              <a:rPr dirty="0"/>
+              <a:t> HTML </a:t>
+            </a:r>
+            <a:r>
+              <a:rPr dirty="0" err="1"/>
+              <a:t>lisibles</a:t>
+            </a:r>
+            <a:r>
+              <a:rPr dirty="0"/>
+              <a:t> par </a:t>
+            </a:r>
+            <a:r>
+              <a:rPr dirty="0" err="1"/>
+              <a:t>tous</a:t>
+            </a:r>
+            <a:endParaRPr dirty="0"/>
           </a:p>
         </p:txBody>
       </p:sp>
@@ -4021,7 +5038,7 @@
 </file>
 
 <file path=ppt/slides/slide3.xml><?xml version="1.0" encoding="utf-8"?>
-<p:sld xmlns:a="http://schemas.openxmlformats.org/drawingml/2006/main" xmlns:p="http://schemas.openxmlformats.org/presentationml/2006/main" xmlns:r="http://schemas.openxmlformats.org/officeDocument/2006/relationships">
+<p:sld xmlns:a="http://schemas.openxmlformats.org/drawingml/2006/main" xmlns:r="http://schemas.openxmlformats.org/officeDocument/2006/relationships" xmlns:p="http://schemas.openxmlformats.org/presentationml/2006/main">
   <p:cSld>
     <p:spTree>
       <p:nvGrpSpPr>
@@ -4029,7 +5046,14 @@
         <p:cNvGrpSpPr/>
         <p:nvPr/>
       </p:nvGrpSpPr>
-      <p:grpSpPr/>
+      <p:grpSpPr>
+        <a:xfrm>
+          <a:off x="0" y="0"/>
+          <a:ext cx="0" cy="0"/>
+          <a:chOff x="0" y="0"/>
+          <a:chExt cx="0" cy="0"/>
+        </a:xfrm>
+      </p:grpSpPr>
       <p:sp>
         <p:nvSpPr>
           <p:cNvPr id="2" name="Title 1"/>
@@ -4046,7 +5070,7 @@
           <a:lstStyle/>
           <a:p>
             <a:pPr>
-              <a:defRPr b="1" sz="3600">
+              <a:defRPr sz="3600" b="1">
                 <a:solidFill>
                   <a:srgbClr val="003366"/>
                 </a:solidFill>
@@ -4081,7 +5105,16 @@
               </a:defRPr>
             </a:pPr>
             <a:r>
-              <a:t>Squad OSD :</a:t>
+              <a:rPr dirty="0"/>
+              <a:t>Squad O</a:t>
+            </a:r>
+            <a:r>
+              <a:rPr lang="fr-FR" dirty="0"/>
+              <a:t>F</a:t>
+            </a:r>
+            <a:r>
+              <a:rPr dirty="0"/>
+              <a:t>D :</a:t>
             </a:r>
           </a:p>
           <a:p>
@@ -4093,7 +5126,32 @@
               </a:defRPr>
             </a:pPr>
             <a:r>
-              <a:t>- Approche data-driven : génération dynamique des payloads</a:t>
+              <a:rPr dirty="0"/>
+              <a:t>- </a:t>
+            </a:r>
+            <a:r>
+              <a:rPr dirty="0" err="1"/>
+              <a:t>Approche</a:t>
+            </a:r>
+            <a:r>
+              <a:rPr dirty="0"/>
+              <a:t> data-driven : </a:t>
+            </a:r>
+            <a:r>
+              <a:rPr dirty="0" err="1"/>
+              <a:t>génération</a:t>
+            </a:r>
+            <a:r>
+              <a:rPr dirty="0"/>
+              <a:t> </a:t>
+            </a:r>
+            <a:r>
+              <a:rPr dirty="0" err="1"/>
+              <a:t>dynamique</a:t>
+            </a:r>
+            <a:r>
+              <a:rPr dirty="0"/>
+              <a:t> des payloads</a:t>
             </a:r>
           </a:p>
           <a:p>
@@ -4105,7 +5163,12 @@
               </a:defRPr>
             </a:pPr>
             <a:r>
-              <a:t>- Tests API REST sur MSEPI03</a:t>
+              <a:rPr dirty="0"/>
+              <a:t>- Tests API REST sur </a:t>
+            </a:r>
+            <a:r>
+              <a:rPr lang="fr-FR" dirty="0"/>
+              <a:t> OFD RULES</a:t>
             </a:r>
           </a:p>
           <a:p>
@@ -4117,8 +5180,26 @@
               </a:defRPr>
             </a:pPr>
             <a:r>
-              <a:t>- Outils : Postman, Newman, Jenkins</a:t>
-            </a:r>
+              <a:rPr dirty="0"/>
+              <a:t>- </a:t>
+            </a:r>
+            <a:r>
+              <a:rPr dirty="0" err="1"/>
+              <a:t>Outils</a:t>
+            </a:r>
+            <a:r>
+              <a:rPr dirty="0"/>
+              <a:t> : Postman, Newman, </a:t>
+            </a:r>
+            <a:r>
+              <a:rPr lang="fr-FR" dirty="0" err="1"/>
+              <a:t>Gitlab</a:t>
+            </a:r>
+            <a:r>
+              <a:rPr lang="fr-FR" dirty="0"/>
+              <a:t> CI</a:t>
+            </a:r>
+            <a:endParaRPr dirty="0"/>
           </a:p>
           <a:p>
             <a:pPr>
@@ -4128,6 +5209,7 @@
                 </a:solidFill>
               </a:defRPr>
             </a:pPr>
+            <a:endParaRPr dirty="0"/>
           </a:p>
           <a:p>
             <a:pPr>
@@ -4138,6 +5220,7 @@
               </a:defRPr>
             </a:pPr>
             <a:r>
+              <a:rPr dirty="0"/>
               <a:t>Squad PAY :</a:t>
             </a:r>
           </a:p>
@@ -4150,8 +5233,38 @@
               </a:defRPr>
             </a:pPr>
             <a:r>
-              <a:t>- Approche orientée BA : structure claire et scripts factorisés</a:t>
-            </a:r>
+              <a:rPr dirty="0"/>
+              <a:t>- </a:t>
+            </a:r>
+            <a:r>
+              <a:rPr dirty="0" err="1"/>
+              <a:t>Approche</a:t>
+            </a:r>
+            <a:r>
+              <a:rPr dirty="0"/>
+              <a:t> </a:t>
+            </a:r>
+            <a:r>
+              <a:rPr dirty="0" err="1"/>
+              <a:t>orientée</a:t>
+            </a:r>
+            <a:r>
+              <a:rPr dirty="0"/>
+              <a:t> BA : structure </a:t>
+            </a:r>
+            <a:r>
+              <a:rPr dirty="0" err="1"/>
+              <a:t>claire</a:t>
+            </a:r>
+            <a:r>
+              <a:rPr dirty="0"/>
+              <a:t> et scripts </a:t>
+            </a:r>
+            <a:r>
+              <a:rPr dirty="0" err="1"/>
+              <a:t>factorisés</a:t>
+            </a:r>
+            <a:endParaRPr dirty="0"/>
           </a:p>
           <a:p>
             <a:pPr>
@@ -4162,7 +5275,32 @@
               </a:defRPr>
             </a:pPr>
             <a:r>
-              <a:t>- Tests API sur MSEPI04/MSEPI05 (paiements P2P)</a:t>
+              <a:rPr dirty="0"/>
+              <a:t>- Tests API sur MSEPI0</a:t>
+            </a:r>
+            <a:r>
+              <a:rPr lang="fr-FR" dirty="0"/>
+              <a:t>1 -&gt; </a:t>
+            </a:r>
+            <a:r>
+              <a:rPr dirty="0"/>
+              <a:t>MSEPI0</a:t>
+            </a:r>
+            <a:r>
+              <a:rPr lang="fr-FR" dirty="0"/>
+              <a:t>6</a:t>
+            </a:r>
+            <a:r>
+              <a:rPr dirty="0"/>
+              <a:t> (</a:t>
+            </a:r>
+            <a:r>
+              <a:rPr dirty="0" err="1"/>
+              <a:t>paiements</a:t>
+            </a:r>
+            <a:r>
+              <a:rPr dirty="0"/>
+              <a:t> P2P)</a:t>
             </a:r>
           </a:p>
           <a:p>
@@ -4174,7 +5312,32 @@
               </a:defRPr>
             </a:pPr>
             <a:r>
-              <a:t>- Outils : Postman, Mockoon, Bruno, rapports HTML</a:t>
+              <a:rPr dirty="0"/>
+              <a:t>- </a:t>
+            </a:r>
+            <a:r>
+              <a:rPr dirty="0" err="1"/>
+              <a:t>Outils</a:t>
+            </a:r>
+            <a:r>
+              <a:rPr dirty="0"/>
+              <a:t> : Postman,</a:t>
+            </a:r>
+            <a:r>
+              <a:rPr lang="fr-FR" dirty="0"/>
+              <a:t>Newman, </a:t>
+            </a:r>
+            <a:r>
+              <a:rPr dirty="0"/>
+              <a:t> </a:t>
+            </a:r>
+            <a:r>
+              <a:rPr dirty="0" err="1"/>
+              <a:t>Mockoon</a:t>
+            </a:r>
+            <a:r>
+              <a:rPr dirty="0"/>
+              <a:t>, Bruno</a:t>
             </a:r>
           </a:p>
         </p:txBody>
@@ -4188,7 +5351,7 @@
 </file>
 
 <file path=ppt/slides/slide4.xml><?xml version="1.0" encoding="utf-8"?>
-<p:sld xmlns:a="http://schemas.openxmlformats.org/drawingml/2006/main" xmlns:p="http://schemas.openxmlformats.org/presentationml/2006/main" xmlns:r="http://schemas.openxmlformats.org/officeDocument/2006/relationships">
+<p:sld xmlns:a="http://schemas.openxmlformats.org/drawingml/2006/main" xmlns:r="http://schemas.openxmlformats.org/officeDocument/2006/relationships" xmlns:p="http://schemas.openxmlformats.org/presentationml/2006/main">
   <p:cSld>
     <p:spTree>
       <p:nvGrpSpPr>
@@ -4196,7 +5359,14 @@
         <p:cNvGrpSpPr/>
         <p:nvPr/>
       </p:nvGrpSpPr>
-      <p:grpSpPr/>
+      <p:grpSpPr>
+        <a:xfrm>
+          <a:off x="0" y="0"/>
+          <a:ext cx="0" cy="0"/>
+          <a:chOff x="0" y="0"/>
+          <a:chExt cx="0" cy="0"/>
+        </a:xfrm>
+      </p:grpSpPr>
       <p:sp>
         <p:nvSpPr>
           <p:cNvPr id="2" name="Title 1"/>
@@ -4213,26 +5383,392 @@
           <a:lstStyle/>
           <a:p>
             <a:pPr>
-              <a:defRPr b="1" sz="3600">
+              <a:defRPr sz="3600" b="1">
                 <a:solidFill>
                   <a:srgbClr val="003366"/>
                 </a:solidFill>
               </a:defRPr>
             </a:pPr>
             <a:r>
-              <a:t>Résultats, fiertés et perspectives</a:t>
-            </a:r>
-          </a:p>
-        </p:txBody>
-      </p:sp>
-      <p:sp>
-        <p:nvSpPr>
-          <p:cNvPr id="3" name="Content Placeholder 2"/>
-          <p:cNvSpPr>
-            <a:spLocks noGrp="1"/>
-          </p:cNvSpPr>
+              <a:t>Réalisation des tests</a:t>
+            </a:r>
+          </a:p>
+        </p:txBody>
+      </p:sp>
+      <p:graphicFrame>
+        <p:nvGraphicFramePr>
+          <p:cNvPr id="4" name="Espace réservé du contenu 3">
+            <a:extLst>
+              <a:ext uri="{FF2B5EF4-FFF2-40B4-BE49-F238E27FC236}">
+                <a16:creationId xmlns:a16="http://schemas.microsoft.com/office/drawing/2014/main" id="{173107D9-E1DD-929E-0C17-0421C7854EF8}"/>
+              </a:ext>
+            </a:extLst>
+          </p:cNvPr>
+          <p:cNvGraphicFramePr>
+            <a:graphicFrameLocks noGrp="1"/>
+          </p:cNvGraphicFramePr>
           <p:nvPr>
             <p:ph idx="1"/>
+            <p:extLst>
+              <p:ext uri="{D42A27DB-BD31-4B8C-83A1-F6EECF244321}">
+                <p14:modId xmlns:p14="http://schemas.microsoft.com/office/powerpoint/2010/main" val="1021132147"/>
+              </p:ext>
+            </p:extLst>
+          </p:nvPr>
+        </p:nvGraphicFramePr>
+        <p:xfrm>
+          <a:off x="457200" y="1600200"/>
+          <a:ext cx="8229600" cy="3032760"/>
+        </p:xfrm>
+        <a:graphic>
+          <a:graphicData uri="http://schemas.openxmlformats.org/drawingml/2006/table">
+            <a:tbl>
+              <a:tblPr firstRow="1" bandRow="1">
+                <a:tableStyleId>{5C22544A-7EE6-4342-B048-85BDC9FD1C3A}</a:tableStyleId>
+              </a:tblPr>
+              <a:tblGrid>
+                <a:gridCol w="2743200">
+                  <a:extLst>
+                    <a:ext uri="{9D8B030D-6E8A-4147-A177-3AD203B41FA5}">
+                      <a16:colId xmlns:a16="http://schemas.microsoft.com/office/drawing/2014/main" val="4253084054"/>
+                    </a:ext>
+                  </a:extLst>
+                </a:gridCol>
+                <a:gridCol w="2743200">
+                  <a:extLst>
+                    <a:ext uri="{9D8B030D-6E8A-4147-A177-3AD203B41FA5}">
+                      <a16:colId xmlns:a16="http://schemas.microsoft.com/office/drawing/2014/main" val="4075753273"/>
+                    </a:ext>
+                  </a:extLst>
+                </a:gridCol>
+                <a:gridCol w="2743200">
+                  <a:extLst>
+                    <a:ext uri="{9D8B030D-6E8A-4147-A177-3AD203B41FA5}">
+                      <a16:colId xmlns:a16="http://schemas.microsoft.com/office/drawing/2014/main" val="1544806300"/>
+                    </a:ext>
+                  </a:extLst>
+                </a:gridCol>
+              </a:tblGrid>
+              <a:tr h="370840">
+                <a:tc>
+                  <a:txBody>
+                    <a:bodyPr/>
+                    <a:lstStyle/>
+                    <a:p>
+                      <a:r>
+                        <a:rPr lang="fr-FR" dirty="0" err="1"/>
+                        <a:t>Element</a:t>
+                      </a:r>
+                      <a:r>
+                        <a:rPr lang="fr-FR" dirty="0"/>
+                        <a:t> </a:t>
+                      </a:r>
+                    </a:p>
+                  </a:txBody>
+                  <a:tcPr/>
+                </a:tc>
+                <a:tc>
+                  <a:txBody>
+                    <a:bodyPr/>
+                    <a:lstStyle/>
+                    <a:p>
+                      <a:r>
+                        <a:rPr lang="fr-FR" dirty="0"/>
+                        <a:t>Immersion 1</a:t>
+                      </a:r>
+                    </a:p>
+                  </a:txBody>
+                  <a:tcPr/>
+                </a:tc>
+                <a:tc>
+                  <a:txBody>
+                    <a:bodyPr/>
+                    <a:lstStyle/>
+                    <a:p>
+                      <a:r>
+                        <a:rPr lang="fr-FR" dirty="0"/>
+                        <a:t>Immersion 2</a:t>
+                      </a:r>
+                    </a:p>
+                  </a:txBody>
+                  <a:tcPr/>
+                </a:tc>
+                <a:extLst>
+                  <a:ext uri="{0D108BD9-81ED-4DB2-BD59-A6C34878D82A}">
+                    <a16:rowId xmlns:a16="http://schemas.microsoft.com/office/drawing/2014/main" val="3390030033"/>
+                  </a:ext>
+                </a:extLst>
+              </a:tr>
+              <a:tr h="370840">
+                <a:tc>
+                  <a:txBody>
+                    <a:bodyPr/>
+                    <a:lstStyle/>
+                    <a:p>
+                      <a:r>
+                        <a:rPr lang="fr-FR" dirty="0"/>
+                        <a:t>Type de tests réalisés</a:t>
+                      </a:r>
+                    </a:p>
+                  </a:txBody>
+                  <a:tcPr/>
+                </a:tc>
+                <a:tc>
+                  <a:txBody>
+                    <a:bodyPr/>
+                    <a:lstStyle/>
+                    <a:p>
+                      <a:r>
+                        <a:rPr lang="fr-FR" dirty="0"/>
+                        <a:t>Tests API REST sur le MS MSOFD et OFD-RULES</a:t>
+                      </a:r>
+                    </a:p>
+                  </a:txBody>
+                  <a:tcPr/>
+                </a:tc>
+                <a:tc>
+                  <a:txBody>
+                    <a:bodyPr/>
+                    <a:lstStyle/>
+                    <a:p>
+                      <a:r>
+                        <a:rPr lang="fr-FR" dirty="0"/>
+                        <a:t>Tests Api sur MSEPI01 -&gt; MSEPI06 </a:t>
+                      </a:r>
+                    </a:p>
+                  </a:txBody>
+                  <a:tcPr/>
+                </a:tc>
+                <a:extLst>
+                  <a:ext uri="{0D108BD9-81ED-4DB2-BD59-A6C34878D82A}">
+                    <a16:rowId xmlns:a16="http://schemas.microsoft.com/office/drawing/2014/main" val="3951215092"/>
+                  </a:ext>
+                </a:extLst>
+              </a:tr>
+              <a:tr h="370840">
+                <a:tc>
+                  <a:txBody>
+                    <a:bodyPr/>
+                    <a:lstStyle/>
+                    <a:p>
+                      <a:r>
+                        <a:rPr lang="fr-FR" dirty="0"/>
+                        <a:t>Quand</a:t>
+                      </a:r>
+                    </a:p>
+                  </a:txBody>
+                  <a:tcPr/>
+                </a:tc>
+                <a:tc>
+                  <a:txBody>
+                    <a:bodyPr/>
+                    <a:lstStyle/>
+                    <a:p>
+                      <a:r>
+                        <a:rPr lang="fr-FR" dirty="0"/>
+                        <a:t>1ere immersion – T3 2025</a:t>
+                      </a:r>
+                    </a:p>
+                  </a:txBody>
+                  <a:tcPr/>
+                </a:tc>
+                <a:tc>
+                  <a:txBody>
+                    <a:bodyPr/>
+                    <a:lstStyle/>
+                    <a:p>
+                      <a:r>
+                        <a:rPr lang="fr-FR" dirty="0"/>
+                        <a:t>2eme immersion T4 2025 en cours</a:t>
+                      </a:r>
+                    </a:p>
+                  </a:txBody>
+                  <a:tcPr/>
+                </a:tc>
+                <a:extLst>
+                  <a:ext uri="{0D108BD9-81ED-4DB2-BD59-A6C34878D82A}">
+                    <a16:rowId xmlns:a16="http://schemas.microsoft.com/office/drawing/2014/main" val="767893684"/>
+                  </a:ext>
+                </a:extLst>
+              </a:tr>
+              <a:tr h="370840">
+                <a:tc>
+                  <a:txBody>
+                    <a:bodyPr/>
+                    <a:lstStyle/>
+                    <a:p>
+                      <a:r>
+                        <a:rPr lang="fr-FR" dirty="0"/>
+                        <a:t>Outils utilisés</a:t>
+                      </a:r>
+                    </a:p>
+                  </a:txBody>
+                  <a:tcPr/>
+                </a:tc>
+                <a:tc>
+                  <a:txBody>
+                    <a:bodyPr/>
+                    <a:lstStyle/>
+                    <a:p>
+                      <a:r>
+                        <a:rPr lang="fr-FR" dirty="0"/>
+                        <a:t>Postman, Newman, </a:t>
+                      </a:r>
+                      <a:r>
+                        <a:rPr lang="fr-FR" dirty="0" err="1"/>
+                        <a:t>Gitlab</a:t>
+                      </a:r>
+                      <a:r>
+                        <a:rPr lang="fr-FR" dirty="0"/>
+                        <a:t>-CI, Excel –&gt; </a:t>
+                      </a:r>
+                      <a:r>
+                        <a:rPr lang="fr-FR" dirty="0" err="1"/>
+                        <a:t>Json</a:t>
+                      </a:r>
+                      <a:endParaRPr lang="fr-FR" dirty="0"/>
+                    </a:p>
+                  </a:txBody>
+                  <a:tcPr/>
+                </a:tc>
+                <a:tc>
+                  <a:txBody>
+                    <a:bodyPr/>
+                    <a:lstStyle/>
+                    <a:p>
+                      <a:endParaRPr lang="fr-FR"/>
+                    </a:p>
+                  </a:txBody>
+                  <a:tcPr/>
+                </a:tc>
+                <a:extLst>
+                  <a:ext uri="{0D108BD9-81ED-4DB2-BD59-A6C34878D82A}">
+                    <a16:rowId xmlns:a16="http://schemas.microsoft.com/office/drawing/2014/main" val="3201606247"/>
+                  </a:ext>
+                </a:extLst>
+              </a:tr>
+              <a:tr h="370840">
+                <a:tc>
+                  <a:txBody>
+                    <a:bodyPr/>
+                    <a:lstStyle/>
+                    <a:p>
+                      <a:r>
+                        <a:rPr lang="fr-FR" dirty="0"/>
+                        <a:t>Qui a réalisés les tests</a:t>
+                      </a:r>
+                    </a:p>
+                  </a:txBody>
+                  <a:tcPr/>
+                </a:tc>
+                <a:tc>
+                  <a:txBody>
+                    <a:bodyPr/>
+                    <a:lstStyle/>
+                    <a:p>
+                      <a:endParaRPr lang="fr-FR" dirty="0"/>
+                    </a:p>
+                  </a:txBody>
+                  <a:tcPr/>
+                </a:tc>
+                <a:tc>
+                  <a:txBody>
+                    <a:bodyPr/>
+                    <a:lstStyle/>
+                    <a:p>
+                      <a:endParaRPr lang="fr-FR"/>
+                    </a:p>
+                  </a:txBody>
+                  <a:tcPr/>
+                </a:tc>
+                <a:extLst>
+                  <a:ext uri="{0D108BD9-81ED-4DB2-BD59-A6C34878D82A}">
+                    <a16:rowId xmlns:a16="http://schemas.microsoft.com/office/drawing/2014/main" val="867908983"/>
+                  </a:ext>
+                </a:extLst>
+              </a:tr>
+              <a:tr h="370840">
+                <a:tc>
+                  <a:txBody>
+                    <a:bodyPr/>
+                    <a:lstStyle/>
+                    <a:p>
+                      <a:r>
+                        <a:rPr lang="fr-FR" dirty="0"/>
+                        <a:t>Approche</a:t>
+                      </a:r>
+                    </a:p>
+                  </a:txBody>
+                  <a:tcPr/>
+                </a:tc>
+                <a:tc>
+                  <a:txBody>
+                    <a:bodyPr/>
+                    <a:lstStyle/>
+                    <a:p>
+                      <a:endParaRPr lang="fr-FR"/>
+                    </a:p>
+                  </a:txBody>
+                  <a:tcPr/>
+                </a:tc>
+                <a:tc>
+                  <a:txBody>
+                    <a:bodyPr/>
+                    <a:lstStyle/>
+                    <a:p>
+                      <a:endParaRPr lang="fr-FR" dirty="0"/>
+                    </a:p>
+                  </a:txBody>
+                  <a:tcPr/>
+                </a:tc>
+                <a:extLst>
+                  <a:ext uri="{0D108BD9-81ED-4DB2-BD59-A6C34878D82A}">
+                    <a16:rowId xmlns:a16="http://schemas.microsoft.com/office/drawing/2014/main" val="1916801880"/>
+                  </a:ext>
+                </a:extLst>
+              </a:tr>
+            </a:tbl>
+          </a:graphicData>
+        </a:graphic>
+      </p:graphicFrame>
+    </p:spTree>
+    <p:extLst>
+      <p:ext uri="{BB962C8B-B14F-4D97-AF65-F5344CB8AC3E}">
+        <p14:creationId xmlns:p14="http://schemas.microsoft.com/office/powerpoint/2010/main" val="3409268877"/>
+      </p:ext>
+    </p:extLst>
+  </p:cSld>
+  <p:clrMapOvr>
+    <a:masterClrMapping/>
+  </p:clrMapOvr>
+</p:sld>
+</file>
+
+<file path=ppt/slides/slide5.xml><?xml version="1.0" encoding="utf-8"?>
+<p:sld xmlns:a="http://schemas.openxmlformats.org/drawingml/2006/main" xmlns:r="http://schemas.openxmlformats.org/officeDocument/2006/relationships" xmlns:p="http://schemas.openxmlformats.org/presentationml/2006/main">
+  <p:cSld>
+    <p:spTree>
+      <p:nvGrpSpPr>
+        <p:cNvPr id="1" name=""/>
+        <p:cNvGrpSpPr/>
+        <p:nvPr/>
+      </p:nvGrpSpPr>
+      <p:grpSpPr>
+        <a:xfrm>
+          <a:off x="0" y="0"/>
+          <a:ext cx="0" cy="0"/>
+          <a:chOff x="0" y="0"/>
+          <a:chExt cx="0" cy="0"/>
+        </a:xfrm>
+      </p:grpSpPr>
+      <p:sp>
+        <p:nvSpPr>
+          <p:cNvPr id="2" name="Title 1"/>
+          <p:cNvSpPr>
+            <a:spLocks noGrp="1"/>
+          </p:cNvSpPr>
+          <p:nvPr>
+            <p:ph type="title"/>
           </p:nvPr>
         </p:nvSpPr>
         <p:spPr/>
@@ -4241,16 +5777,34 @@
           <a:lstStyle/>
           <a:p>
             <a:pPr>
-              <a:defRPr sz="2000">
-                <a:solidFill>
-                  <a:srgbClr val="1E1E1E"/>
+              <a:defRPr sz="3600" b="1">
+                <a:solidFill>
+                  <a:srgbClr val="003366"/>
                 </a:solidFill>
               </a:defRPr>
             </a:pPr>
             <a:r>
-              <a:t>Gains :</a:t>
-            </a:r>
-          </a:p>
+              <a:t>Résultats, fiertés et perspectives</a:t>
+            </a:r>
+          </a:p>
+        </p:txBody>
+      </p:sp>
+      <p:sp>
+        <p:nvSpPr>
+          <p:cNvPr id="3" name="Content Placeholder 2"/>
+          <p:cNvSpPr>
+            <a:spLocks noGrp="1"/>
+          </p:cNvSpPr>
+          <p:nvPr>
+            <p:ph idx="1"/>
+          </p:nvPr>
+        </p:nvSpPr>
+        <p:spPr/>
+        <p:txBody>
+          <a:bodyPr>
+            <a:normAutofit fontScale="70000" lnSpcReduction="20000"/>
+          </a:bodyPr>
+          <a:lstStyle/>
           <a:p>
             <a:pPr>
               <a:defRPr sz="2000">
@@ -4260,7 +5814,8 @@
               </a:defRPr>
             </a:pPr>
             <a:r>
-              <a:t>- Réduction de 60–70 % du temps de validation</a:t>
+              <a:rPr dirty="0"/>
+              <a:t>Gains :</a:t>
             </a:r>
           </a:p>
           <a:p>
@@ -4272,7 +5827,16 @@
               </a:defRPr>
             </a:pPr>
             <a:r>
-              <a:t>- Baisse des erreurs de régression</a:t>
+              <a:rPr dirty="0"/>
+              <a:t>- </a:t>
+            </a:r>
+            <a:r>
+              <a:rPr dirty="0" err="1"/>
+              <a:t>Réduction</a:t>
+            </a:r>
+            <a:r>
+              <a:rPr dirty="0"/>
+              <a:t> de 60–70 % du temps de validation</a:t>
             </a:r>
           </a:p>
           <a:p>
@@ -4284,8 +5848,30 @@
               </a:defRPr>
             </a:pPr>
             <a:r>
-              <a:t>- Capitalisation transverse</a:t>
-            </a:r>
+              <a:rPr dirty="0"/>
+              <a:t>- </a:t>
+            </a:r>
+            <a:r>
+              <a:rPr dirty="0" err="1"/>
+              <a:t>Baisse</a:t>
+            </a:r>
+            <a:r>
+              <a:rPr dirty="0"/>
+              <a:t> des </a:t>
+            </a:r>
+            <a:r>
+              <a:rPr dirty="0" err="1"/>
+              <a:t>erreurs</a:t>
+            </a:r>
+            <a:r>
+              <a:rPr dirty="0"/>
+              <a:t> de </a:t>
+            </a:r>
+            <a:r>
+              <a:rPr dirty="0" err="1"/>
+              <a:t>régression</a:t>
+            </a:r>
+            <a:endParaRPr dirty="0"/>
           </a:p>
           <a:p>
             <a:pPr>
@@ -4295,6 +5881,18 @@
                 </a:solidFill>
               </a:defRPr>
             </a:pPr>
+            <a:r>
+              <a:rPr dirty="0"/>
+              <a:t>- </a:t>
+            </a:r>
+            <a:r>
+              <a:rPr dirty="0" err="1"/>
+              <a:t>Capitalisation</a:t>
+            </a:r>
+            <a:r>
+              <a:rPr dirty="0"/>
+              <a:t> transverse</a:t>
+            </a:r>
           </a:p>
           <a:p>
             <a:pPr>
@@ -4304,9 +5902,7 @@
                 </a:solidFill>
               </a:defRPr>
             </a:pPr>
-            <a:r>
-              <a:t>Fiertés :</a:t>
-            </a:r>
+            <a:endParaRPr dirty="0"/>
           </a:p>
           <a:p>
             <a:pPr>
@@ -4317,7 +5913,12 @@
               </a:defRPr>
             </a:pPr>
             <a:r>
-              <a:t>- Pipelines Jenkins exécutant les tests</a:t>
+              <a:rPr dirty="0" err="1"/>
+              <a:t>Fiertés</a:t>
+            </a:r>
+            <a:r>
+              <a:rPr dirty="0"/>
+              <a:t> :</a:t>
             </a:r>
           </a:p>
           <a:p>
@@ -4329,7 +5930,24 @@
               </a:defRPr>
             </a:pPr>
             <a:r>
-              <a:t>- Partage de bonnes pratiques entre squads</a:t>
+              <a:rPr dirty="0"/>
+              <a:t>- Pipelines </a:t>
+            </a:r>
+            <a:r>
+              <a:rPr lang="fr-FR" dirty="0"/>
+              <a:t>CI CD</a:t>
+            </a:r>
+            <a:r>
+              <a:rPr dirty="0"/>
+              <a:t> </a:t>
+            </a:r>
+            <a:r>
+              <a:rPr dirty="0" err="1"/>
+              <a:t>exécutant</a:t>
+            </a:r>
+            <a:r>
+              <a:rPr dirty="0"/>
+              <a:t> les tests</a:t>
             </a:r>
           </a:p>
           <a:p>
@@ -4340,6 +5958,19 @@
                 </a:solidFill>
               </a:defRPr>
             </a:pPr>
+            <a:r>
+              <a:rPr dirty="0"/>
+              <a:t>- Partage de </a:t>
+            </a:r>
+            <a:r>
+              <a:rPr dirty="0" err="1"/>
+              <a:t>bonnes</a:t>
+            </a:r>
+            <a:r>
+              <a:rPr dirty="0"/>
+              <a:t> pratiques entre squads</a:t>
+            </a:r>
+            <a:endParaRPr lang="fr-FR" dirty="0"/>
           </a:p>
           <a:p>
             <a:pPr>
@@ -4350,8 +5981,18 @@
               </a:defRPr>
             </a:pPr>
             <a:r>
-              <a:t>Suite :</a:t>
-            </a:r>
+              <a:rPr lang="fr-FR" dirty="0"/>
+              <a:t>- adoption de bouchons ( </a:t>
+            </a:r>
+            <a:r>
+              <a:rPr lang="fr-FR" dirty="0" err="1"/>
+              <a:t>mockoon</a:t>
+            </a:r>
+            <a:r>
+              <a:rPr lang="fr-FR" dirty="0"/>
+              <a:t>)</a:t>
+            </a:r>
+            <a:endParaRPr dirty="0"/>
           </a:p>
           <a:p>
             <a:pPr>
@@ -4361,9 +6002,7 @@
                 </a:solidFill>
               </a:defRPr>
             </a:pPr>
-            <a:r>
-              <a:t>- Centralisation des collections dans un référentiel commun</a:t>
-            </a:r>
+            <a:endParaRPr dirty="0"/>
           </a:p>
           <a:p>
             <a:pPr>
@@ -4374,7 +6013,8 @@
               </a:defRPr>
             </a:pPr>
             <a:r>
-              <a:t>- Intégration CI/CD systématique</a:t>
+              <a:rPr dirty="0"/>
+              <a:t>Suite :</a:t>
             </a:r>
           </a:p>
           <a:p>
@@ -4386,8 +6026,137 @@
               </a:defRPr>
             </a:pPr>
             <a:r>
+              <a:rPr dirty="0"/>
+              <a:t>- </a:t>
+            </a:r>
+            <a:r>
+              <a:rPr dirty="0" err="1"/>
+              <a:t>Centralisation</a:t>
+            </a:r>
+            <a:r>
+              <a:rPr dirty="0"/>
+              <a:t> des collections dans un </a:t>
+            </a:r>
+            <a:r>
+              <a:rPr dirty="0" err="1"/>
+              <a:t>référentiel</a:t>
+            </a:r>
+            <a:r>
+              <a:rPr dirty="0"/>
+              <a:t> </a:t>
+            </a:r>
+            <a:r>
+              <a:rPr dirty="0" err="1"/>
+              <a:t>commun</a:t>
+            </a:r>
+            <a:endParaRPr dirty="0"/>
+          </a:p>
+          <a:p>
+            <a:pPr>
+              <a:defRPr sz="2000">
+                <a:solidFill>
+                  <a:srgbClr val="1E1E1E"/>
+                </a:solidFill>
+              </a:defRPr>
+            </a:pPr>
+            <a:r>
+              <a:rPr dirty="0"/>
+              <a:t>- </a:t>
+            </a:r>
+            <a:r>
+              <a:rPr dirty="0" err="1"/>
+              <a:t>Intégration</a:t>
+            </a:r>
+            <a:r>
+              <a:rPr dirty="0"/>
+              <a:t> CI/CD </a:t>
+            </a:r>
+            <a:r>
+              <a:rPr dirty="0" err="1"/>
+              <a:t>systématique</a:t>
+            </a:r>
+            <a:endParaRPr dirty="0"/>
+          </a:p>
+          <a:p>
+            <a:pPr>
+              <a:defRPr sz="2000">
+                <a:solidFill>
+                  <a:srgbClr val="1E1E1E"/>
+                </a:solidFill>
+              </a:defRPr>
+            </a:pPr>
+            <a:r>
+              <a:rPr dirty="0"/>
               <a:t>- Formation continue des équipes</a:t>
             </a:r>
+            <a:endParaRPr lang="fr-FR" dirty="0"/>
+          </a:p>
+          <a:p>
+            <a:pPr>
+              <a:defRPr sz="2000">
+                <a:solidFill>
+                  <a:srgbClr val="1E1E1E"/>
+                </a:solidFill>
+              </a:defRPr>
+            </a:pPr>
+            <a:endParaRPr lang="fr-FR" dirty="0"/>
+          </a:p>
+          <a:p>
+            <a:pPr>
+              <a:defRPr sz="2000">
+                <a:solidFill>
+                  <a:srgbClr val="1E1E1E"/>
+                </a:solidFill>
+              </a:defRPr>
+            </a:pPr>
+            <a:r>
+              <a:rPr lang="fr-FR" dirty="0"/>
+              <a:t>Points d’attention : </a:t>
+            </a:r>
+          </a:p>
+          <a:p>
+            <a:pPr>
+              <a:defRPr sz="2000">
+                <a:solidFill>
+                  <a:srgbClr val="1E1E1E"/>
+                </a:solidFill>
+              </a:defRPr>
+            </a:pPr>
+            <a:r>
+              <a:rPr lang="fr-FR" dirty="0"/>
+              <a:t>- Maintenance des collections</a:t>
+            </a:r>
+          </a:p>
+          <a:p>
+            <a:pPr>
+              <a:defRPr sz="2000">
+                <a:solidFill>
+                  <a:srgbClr val="1E1E1E"/>
+                </a:solidFill>
+              </a:defRPr>
+            </a:pPr>
+            <a:r>
+              <a:rPr lang="fr-FR" dirty="0"/>
+              <a:t>- Alignement constant avec les contrats d’API</a:t>
+            </a:r>
+          </a:p>
+          <a:p>
+            <a:pPr>
+              <a:defRPr sz="2000">
+                <a:solidFill>
+                  <a:srgbClr val="1E1E1E"/>
+                </a:solidFill>
+              </a:defRPr>
+            </a:pPr>
+            <a:r>
+              <a:rPr lang="fr-FR" dirty="0"/>
+              <a:t>- Implication des </a:t>
+            </a:r>
+            <a:r>
+              <a:rPr lang="fr-FR" dirty="0" err="1"/>
+              <a:t>BAs</a:t>
+            </a:r>
+            <a:endParaRPr lang="fr-FR" dirty="0"/>
           </a:p>
         </p:txBody>
       </p:sp>
@@ -4720,7 +6489,7 @@
 </file>
 
 <file path=ppt/theme/theme2.xml><?xml version="1.0" encoding="utf-8"?>
-<a:theme xmlns:a="http://schemas.openxmlformats.org/drawingml/2006/main" name="Office Theme">
+<a:theme xmlns:a="http://schemas.openxmlformats.org/drawingml/2006/main" name="Thème Office">
   <a:themeElements>
     <a:clrScheme name="Office">
       <a:dk1>
@@ -4730,44 +6499,44 @@
         <a:sysClr val="window" lastClr="FFFFFF"/>
       </a:lt1>
       <a:dk2>
-        <a:srgbClr val="1F497D"/>
+        <a:srgbClr val="0E2841"/>
       </a:dk2>
       <a:lt2>
-        <a:srgbClr val="EEECE1"/>
+        <a:srgbClr val="E8E8E8"/>
       </a:lt2>
       <a:accent1>
-        <a:srgbClr val="4F81BD"/>
+        <a:srgbClr val="156082"/>
       </a:accent1>
       <a:accent2>
-        <a:srgbClr val="C0504D"/>
+        <a:srgbClr val="E97132"/>
       </a:accent2>
       <a:accent3>
-        <a:srgbClr val="9BBB59"/>
+        <a:srgbClr val="196B24"/>
       </a:accent3>
       <a:accent4>
-        <a:srgbClr val="8064A2"/>
+        <a:srgbClr val="0F9ED5"/>
       </a:accent4>
       <a:accent5>
-        <a:srgbClr val="4BACC6"/>
+        <a:srgbClr val="A02B93"/>
       </a:accent5>
       <a:accent6>
-        <a:srgbClr val="F79646"/>
+        <a:srgbClr val="4EA72E"/>
       </a:accent6>
       <a:hlink>
-        <a:srgbClr val="0000FF"/>
+        <a:srgbClr val="467886"/>
       </a:hlink>
       <a:folHlink>
-        <a:srgbClr val="800080"/>
+        <a:srgbClr val="96607D"/>
       </a:folHlink>
     </a:clrScheme>
     <a:fontScheme name="Office">
       <a:majorFont>
-        <a:latin typeface="Calibri"/>
+        <a:latin typeface="Aptos Display" panose="02110004020202020204"/>
         <a:ea typeface=""/>
         <a:cs typeface=""/>
-        <a:font script="Jpan" typeface="ＭＳ Ｐゴシック"/>
+        <a:font script="Jpan" typeface="游ゴシック Light"/>
         <a:font script="Hang" typeface="맑은 고딕"/>
-        <a:font script="Hans" typeface="宋体"/>
+        <a:font script="Hans" typeface="等线 Light"/>
         <a:font script="Hant" typeface="新細明體"/>
         <a:font script="Arab" typeface="Times New Roman"/>
         <a:font script="Hebr" typeface="Times New Roman"/>
@@ -4795,14 +6564,31 @@
         <a:font script="Viet" typeface="Times New Roman"/>
         <a:font script="Uigh" typeface="Microsoft Uighur"/>
         <a:font script="Geor" typeface="Sylfaen"/>
+        <a:font script="Armn" typeface="Arial"/>
+        <a:font script="Bugi" typeface="Leelawadee UI"/>
+        <a:font script="Bopo" typeface="Microsoft JhengHei"/>
+        <a:font script="Java" typeface="Javanese Text"/>
+        <a:font script="Lisu" typeface="Segoe UI"/>
+        <a:font script="Mymr" typeface="Myanmar Text"/>
+        <a:font script="Nkoo" typeface="Ebrima"/>
+        <a:font script="Olck" typeface="Nirmala UI"/>
+        <a:font script="Osma" typeface="Ebrima"/>
+        <a:font script="Phag" typeface="Phagspa"/>
+        <a:font script="Syrn" typeface="Estrangelo Edessa"/>
+        <a:font script="Syrj" typeface="Estrangelo Edessa"/>
+        <a:font script="Syre" typeface="Estrangelo Edessa"/>
+        <a:font script="Sora" typeface="Nirmala UI"/>
+        <a:font script="Tale" typeface="Microsoft Tai Le"/>
+        <a:font script="Talu" typeface="Microsoft New Tai Lue"/>
+        <a:font script="Tfng" typeface="Ebrima"/>
       </a:majorFont>
       <a:minorFont>
-        <a:latin typeface="Calibri"/>
+        <a:latin typeface="Aptos" panose="02110004020202020204"/>
         <a:ea typeface=""/>
         <a:cs typeface=""/>
-        <a:font script="Jpan" typeface="ＭＳ Ｐゴシック"/>
+        <a:font script="Jpan" typeface="游ゴシック"/>
         <a:font script="Hang" typeface="맑은 고딕"/>
-        <a:font script="Hans" typeface="宋体"/>
+        <a:font script="Hans" typeface="等线"/>
         <a:font script="Hant" typeface="新細明體"/>
         <a:font script="Arab" typeface="Arial"/>
         <a:font script="Hebr" typeface="Arial"/>
@@ -4830,6 +6616,23 @@
         <a:font script="Viet" typeface="Arial"/>
         <a:font script="Uigh" typeface="Microsoft Uighur"/>
         <a:font script="Geor" typeface="Sylfaen"/>
+        <a:font script="Armn" typeface="Arial"/>
+        <a:font script="Bugi" typeface="Leelawadee UI"/>
+        <a:font script="Bopo" typeface="Microsoft JhengHei"/>
+        <a:font script="Java" typeface="Javanese Text"/>
+        <a:font script="Lisu" typeface="Segoe UI"/>
+        <a:font script="Mymr" typeface="Myanmar Text"/>
+        <a:font script="Nkoo" typeface="Ebrima"/>
+        <a:font script="Olck" typeface="Nirmala UI"/>
+        <a:font script="Osma" typeface="Ebrima"/>
+        <a:font script="Phag" typeface="Phagspa"/>
+        <a:font script="Syrn" typeface="Estrangelo Edessa"/>
+        <a:font script="Syrj" typeface="Estrangelo Edessa"/>
+        <a:font script="Syre" typeface="Estrangelo Edessa"/>
+        <a:font script="Sora" typeface="Nirmala UI"/>
+        <a:font script="Tale" typeface="Microsoft Tai Le"/>
+        <a:font script="Talu" typeface="Microsoft New Tai Lue"/>
+        <a:font script="Tfng" typeface="Ebrima"/>
       </a:minorFont>
     </a:fontScheme>
     <a:fmtScheme name="Office">
@@ -4841,180 +6644,136 @@
           <a:gsLst>
             <a:gs pos="0">
               <a:schemeClr val="phClr">
-                <a:tint val="50000"/>
-                <a:satMod val="300000"/>
+                <a:lumMod val="110000"/>
+                <a:satMod val="105000"/>
+                <a:tint val="67000"/>
               </a:schemeClr>
             </a:gs>
-            <a:gs pos="35000">
+            <a:gs pos="50000">
               <a:schemeClr val="phClr">
-                <a:tint val="37000"/>
-                <a:satMod val="300000"/>
+                <a:lumMod val="105000"/>
+                <a:satMod val="103000"/>
+                <a:tint val="73000"/>
               </a:schemeClr>
             </a:gs>
             <a:gs pos="100000">
               <a:schemeClr val="phClr">
-                <a:tint val="15000"/>
-                <a:satMod val="350000"/>
+                <a:lumMod val="105000"/>
+                <a:satMod val="109000"/>
+                <a:tint val="81000"/>
               </a:schemeClr>
             </a:gs>
           </a:gsLst>
-          <a:lin ang="16200000" scaled="1"/>
+          <a:lin ang="5400000" scaled="0"/>
         </a:gradFill>
         <a:gradFill rotWithShape="1">
           <a:gsLst>
             <a:gs pos="0">
               <a:schemeClr val="phClr">
-                <a:tint val="100000"/>
+                <a:satMod val="103000"/>
+                <a:lumMod val="102000"/>
+                <a:tint val="94000"/>
+              </a:schemeClr>
+            </a:gs>
+            <a:gs pos="50000">
+              <a:schemeClr val="phClr">
+                <a:satMod val="110000"/>
+                <a:lumMod val="100000"/>
                 <a:shade val="100000"/>
-                <a:satMod val="130000"/>
               </a:schemeClr>
             </a:gs>
             <a:gs pos="100000">
               <a:schemeClr val="phClr">
-                <a:tint val="50000"/>
-                <a:shade val="100000"/>
-                <a:satMod val="350000"/>
+                <a:lumMod val="99000"/>
+                <a:satMod val="120000"/>
+                <a:shade val="78000"/>
               </a:schemeClr>
             </a:gs>
           </a:gsLst>
-          <a:lin ang="16200000" scaled="0"/>
+          <a:lin ang="5400000" scaled="0"/>
         </a:gradFill>
       </a:fillStyleLst>
       <a:lnStyleLst>
-        <a:ln w="9525" cap="flat" cmpd="sng" algn="ctr">
+        <a:ln w="12700" cap="flat" cmpd="sng" algn="ctr">
           <a:solidFill>
-            <a:schemeClr val="phClr">
-              <a:shade val="95000"/>
-              <a:satMod val="105000"/>
-            </a:schemeClr>
+            <a:schemeClr val="phClr"/>
           </a:solidFill>
           <a:prstDash val="solid"/>
+          <a:miter lim="800000"/>
+        </a:ln>
+        <a:ln w="19050" cap="flat" cmpd="sng" algn="ctr">
+          <a:solidFill>
+            <a:schemeClr val="phClr"/>
+          </a:solidFill>
+          <a:prstDash val="solid"/>
+          <a:miter lim="800000"/>
         </a:ln>
         <a:ln w="25400" cap="flat" cmpd="sng" algn="ctr">
           <a:solidFill>
             <a:schemeClr val="phClr"/>
           </a:solidFill>
           <a:prstDash val="solid"/>
-        </a:ln>
-        <a:ln w="38100" cap="flat" cmpd="sng" algn="ctr">
-          <a:solidFill>
-            <a:schemeClr val="phClr"/>
-          </a:solidFill>
-          <a:prstDash val="solid"/>
+          <a:miter lim="800000"/>
         </a:ln>
       </a:lnStyleLst>
       <a:effectStyleLst>
         <a:effectStyle>
+          <a:effectLst/>
+        </a:effectStyle>
+        <a:effectStyle>
+          <a:effectLst/>
+        </a:effectStyle>
+        <a:effectStyle>
           <a:effectLst>
-            <a:outerShdw blurRad="40000" dist="20000" dir="5400000" rotWithShape="0">
+            <a:outerShdw blurRad="57150" dist="19050" dir="5400000" algn="ctr" rotWithShape="0">
               <a:srgbClr val="000000">
-                <a:alpha val="38000"/>
+                <a:alpha val="63000"/>
               </a:srgbClr>
             </a:outerShdw>
           </a:effectLst>
-        </a:effectStyle>
-        <a:effectStyle>
-          <a:effectLst>
-            <a:outerShdw blurRad="40000" dist="23000" dir="5400000" rotWithShape="0">
-              <a:srgbClr val="000000">
-                <a:alpha val="35000"/>
-              </a:srgbClr>
-            </a:outerShdw>
-          </a:effectLst>
-        </a:effectStyle>
-        <a:effectStyle>
-          <a:effectLst>
-            <a:outerShdw blurRad="40000" dist="23000" dir="5400000" rotWithShape="0">
-              <a:srgbClr val="000000">
-                <a:alpha val="35000"/>
-              </a:srgbClr>
-            </a:outerShdw>
-          </a:effectLst>
-          <a:scene3d>
-            <a:camera prst="orthographicFront">
-              <a:rot lat="0" lon="0" rev="0"/>
-            </a:camera>
-            <a:lightRig rig="threePt" dir="t">
-              <a:rot lat="0" lon="0" rev="1200000"/>
-            </a:lightRig>
-          </a:scene3d>
-          <a:sp3d>
-            <a:bevelT w="63500" h="25400"/>
-          </a:sp3d>
         </a:effectStyle>
       </a:effectStyleLst>
       <a:bgFillStyleLst>
         <a:solidFill>
           <a:schemeClr val="phClr"/>
         </a:solidFill>
+        <a:solidFill>
+          <a:schemeClr val="phClr">
+            <a:tint val="95000"/>
+            <a:satMod val="170000"/>
+          </a:schemeClr>
+        </a:solidFill>
         <a:gradFill rotWithShape="1">
           <a:gsLst>
             <a:gs pos="0">
               <a:schemeClr val="phClr">
-                <a:tint val="40000"/>
-                <a:satMod val="350000"/>
+                <a:tint val="93000"/>
+                <a:satMod val="150000"/>
+                <a:shade val="98000"/>
+                <a:lumMod val="102000"/>
               </a:schemeClr>
             </a:gs>
-            <a:gs pos="40000">
+            <a:gs pos="50000">
               <a:schemeClr val="phClr">
-                <a:tint val="45000"/>
-                <a:shade val="99000"/>
-                <a:satMod val="350000"/>
+                <a:tint val="98000"/>
+                <a:satMod val="130000"/>
+                <a:shade val="90000"/>
+                <a:lumMod val="103000"/>
               </a:schemeClr>
             </a:gs>
             <a:gs pos="100000">
               <a:schemeClr val="phClr">
-                <a:shade val="20000"/>
-                <a:satMod val="255000"/>
+                <a:shade val="63000"/>
+                <a:satMod val="120000"/>
               </a:schemeClr>
             </a:gs>
           </a:gsLst>
-          <a:path path="circle">
-            <a:fillToRect l="50000" t="-80000" r="50000" b="180000"/>
-          </a:path>
-        </a:gradFill>
-        <a:gradFill rotWithShape="1">
-          <a:gsLst>
-            <a:gs pos="0">
-              <a:schemeClr val="phClr">
-                <a:tint val="80000"/>
-                <a:satMod val="300000"/>
-              </a:schemeClr>
-            </a:gs>
-            <a:gs pos="100000">
-              <a:schemeClr val="phClr">
-                <a:shade val="30000"/>
-                <a:satMod val="200000"/>
-              </a:schemeClr>
-            </a:gs>
-          </a:gsLst>
-          <a:path path="circle">
-            <a:fillToRect l="50000" t="50000" r="50000" b="50000"/>
-          </a:path>
+          <a:lin ang="5400000" scaled="0"/>
         </a:gradFill>
       </a:bgFillStyleLst>
     </a:fmtScheme>
   </a:themeElements>
   <a:objectDefaults>
-    <a:spDef>
-      <a:spPr/>
-      <a:bodyPr/>
-      <a:lstStyle/>
-      <a:style>
-        <a:lnRef idx="1">
-          <a:schemeClr val="accent1"/>
-        </a:lnRef>
-        <a:fillRef idx="3">
-          <a:schemeClr val="accent1"/>
-        </a:fillRef>
-        <a:effectRef idx="2">
-          <a:schemeClr val="accent1"/>
-        </a:effectRef>
-        <a:fontRef idx="minor">
-          <a:schemeClr val="lt1"/>
-        </a:fontRef>
-      </a:style>
-    </a:spDef>
     <a:lnDef>
       <a:spPr/>
       <a:bodyPr/>
@@ -5036,5 +6795,10 @@
     </a:lnDef>
   </a:objectDefaults>
   <a:extraClrSchemeLst/>
+  <a:extLst>
+    <a:ext uri="{05A4C25C-085E-4340-85A3-A5531E510DB2}">
+      <thm15:themeFamily xmlns:thm15="http://schemas.microsoft.com/office/thememl/2012/main" name="Office Theme" id="{2E142A2C-CD16-42D6-873A-C26D2A0506FA}" vid="{1BDDFF52-6CD6-40A5-AB3C-68EB2F1E4D0A}"/>
+    </a:ext>
+  </a:extLst>
 </a:theme>
 </file>